--- a/01 - apresentacao e estrutura do curso/Estrutura do Curso.pptx
+++ b/01 - apresentacao e estrutura do curso/Estrutura do Curso.pptx
@@ -24,6 +24,7 @@
     <p:sldId id="282" r:id="rId18"/>
     <p:sldId id="283" r:id="rId19"/>
     <p:sldId id="270" r:id="rId20"/>
+    <p:sldId id="284" r:id="rId21"/>
   </p:sldIdLst>
   <p:sldSz cx="9144000" cy="6858000" type="screen4x3"/>
   <p:notesSz cx="6858000" cy="9144000"/>
@@ -272,7 +273,7 @@
           <a:p>
             <a:fld id="{291F4518-82E3-4F1C-9E45-93FD173EFC7B}" type="datetimeFigureOut">
               <a:rPr lang="pt-BR" smtClean="0"/>
-              <a:t>01/08/16</a:t>
+              <a:t>15/08/16</a:t>
             </a:fld>
             <a:endParaRPr lang="pt-BR"/>
           </a:p>
@@ -442,7 +443,7 @@
           <a:p>
             <a:fld id="{291F4518-82E3-4F1C-9E45-93FD173EFC7B}" type="datetimeFigureOut">
               <a:rPr lang="pt-BR" smtClean="0"/>
-              <a:t>01/08/16</a:t>
+              <a:t>15/08/16</a:t>
             </a:fld>
             <a:endParaRPr lang="pt-BR"/>
           </a:p>
@@ -622,7 +623,7 @@
           <a:p>
             <a:fld id="{291F4518-82E3-4F1C-9E45-93FD173EFC7B}" type="datetimeFigureOut">
               <a:rPr lang="pt-BR" smtClean="0"/>
-              <a:t>01/08/16</a:t>
+              <a:t>15/08/16</a:t>
             </a:fld>
             <a:endParaRPr lang="pt-BR"/>
           </a:p>
@@ -792,7 +793,7 @@
           <a:p>
             <a:fld id="{291F4518-82E3-4F1C-9E45-93FD173EFC7B}" type="datetimeFigureOut">
               <a:rPr lang="pt-BR" smtClean="0"/>
-              <a:t>01/08/16</a:t>
+              <a:t>15/08/16</a:t>
             </a:fld>
             <a:endParaRPr lang="pt-BR"/>
           </a:p>
@@ -1036,7 +1037,7 @@
           <a:p>
             <a:fld id="{291F4518-82E3-4F1C-9E45-93FD173EFC7B}" type="datetimeFigureOut">
               <a:rPr lang="pt-BR" smtClean="0"/>
-              <a:t>01/08/16</a:t>
+              <a:t>15/08/16</a:t>
             </a:fld>
             <a:endParaRPr lang="pt-BR"/>
           </a:p>
@@ -1268,7 +1269,7 @@
           <a:p>
             <a:fld id="{291F4518-82E3-4F1C-9E45-93FD173EFC7B}" type="datetimeFigureOut">
               <a:rPr lang="pt-BR" smtClean="0"/>
-              <a:t>01/08/16</a:t>
+              <a:t>15/08/16</a:t>
             </a:fld>
             <a:endParaRPr lang="pt-BR"/>
           </a:p>
@@ -1635,7 +1636,7 @@
           <a:p>
             <a:fld id="{291F4518-82E3-4F1C-9E45-93FD173EFC7B}" type="datetimeFigureOut">
               <a:rPr lang="pt-BR" smtClean="0"/>
-              <a:t>01/08/16</a:t>
+              <a:t>15/08/16</a:t>
             </a:fld>
             <a:endParaRPr lang="pt-BR"/>
           </a:p>
@@ -1753,7 +1754,7 @@
           <a:p>
             <a:fld id="{291F4518-82E3-4F1C-9E45-93FD173EFC7B}" type="datetimeFigureOut">
               <a:rPr lang="pt-BR" smtClean="0"/>
-              <a:t>01/08/16</a:t>
+              <a:t>15/08/16</a:t>
             </a:fld>
             <a:endParaRPr lang="pt-BR"/>
           </a:p>
@@ -1848,7 +1849,7 @@
           <a:p>
             <a:fld id="{291F4518-82E3-4F1C-9E45-93FD173EFC7B}" type="datetimeFigureOut">
               <a:rPr lang="pt-BR" smtClean="0"/>
-              <a:t>01/08/16</a:t>
+              <a:t>15/08/16</a:t>
             </a:fld>
             <a:endParaRPr lang="pt-BR"/>
           </a:p>
@@ -2125,7 +2126,7 @@
           <a:p>
             <a:fld id="{291F4518-82E3-4F1C-9E45-93FD173EFC7B}" type="datetimeFigureOut">
               <a:rPr lang="pt-BR" smtClean="0"/>
-              <a:t>01/08/16</a:t>
+              <a:t>15/08/16</a:t>
             </a:fld>
             <a:endParaRPr lang="pt-BR"/>
           </a:p>
@@ -2382,7 +2383,7 @@
           <a:p>
             <a:fld id="{291F4518-82E3-4F1C-9E45-93FD173EFC7B}" type="datetimeFigureOut">
               <a:rPr lang="pt-BR" smtClean="0"/>
-              <a:t>01/08/16</a:t>
+              <a:t>15/08/16</a:t>
             </a:fld>
             <a:endParaRPr lang="pt-BR"/>
           </a:p>
@@ -2595,7 +2596,7 @@
           <a:p>
             <a:fld id="{291F4518-82E3-4F1C-9E45-93FD173EFC7B}" type="datetimeFigureOut">
               <a:rPr lang="pt-BR" smtClean="0"/>
-              <a:t>01/08/16</a:t>
+              <a:t>15/08/16</a:t>
             </a:fld>
             <a:endParaRPr lang="pt-BR"/>
           </a:p>
@@ -3033,20 +3034,7 @@
                 <a:latin typeface="Times New Roman"/>
                 <a:cs typeface="Times New Roman"/>
               </a:rPr>
-              <a:t>Apresentaç</a:t>
-            </a:r>
-            <a:r>
-              <a:rPr lang="pt-BR" sz="3600" b="1" dirty="0" smtClean="0">
-                <a:solidFill>
-                  <a:schemeClr val="tx1">
-                    <a:lumMod val="75000"/>
-                    <a:lumOff val="25000"/>
-                  </a:schemeClr>
-                </a:solidFill>
-                <a:latin typeface="Times New Roman"/>
-                <a:cs typeface="Times New Roman"/>
-              </a:rPr>
-              <a:t>ão do Curso</a:t>
+              <a:t>Apresentação do Curso</a:t>
             </a:r>
             <a:endParaRPr lang="pt-BR" sz="3600" b="1" dirty="0">
               <a:solidFill>
@@ -3098,13 +3086,6 @@
               </a:rPr>
               <a:t>Marcelo Weber</a:t>
             </a:r>
-            <a:endParaRPr lang="pt-BR" sz="1600" b="1" dirty="0" smtClean="0">
-              <a:solidFill>
-                <a:srgbClr val="7F7F7F"/>
-              </a:solidFill>
-              <a:latin typeface="Times New Roman"/>
-              <a:cs typeface="Times New Roman"/>
-            </a:endParaRPr>
           </a:p>
           <a:p>
             <a:pPr algn="just">
@@ -3120,17 +3101,7 @@
                 <a:latin typeface="Times New Roman"/>
                 <a:cs typeface="Times New Roman"/>
               </a:rPr>
-              <a:t>Nicholas A. C. </a:t>
-            </a:r>
-            <a:r>
-              <a:rPr lang="pt-BR" sz="1600" b="1" dirty="0" smtClean="0">
-                <a:solidFill>
-                  <a:srgbClr val="7F7F7F"/>
-                </a:solidFill>
-                <a:latin typeface="Times New Roman"/>
-                <a:cs typeface="Times New Roman"/>
-              </a:rPr>
-              <a:t>Marino</a:t>
+              <a:t>Nicholas A. C. Marino</a:t>
             </a:r>
             <a:endParaRPr lang="pt-BR" sz="1600" b="1" dirty="0">
               <a:solidFill>
@@ -3310,20 +3281,7 @@
                 <a:latin typeface="Times New Roman"/>
                 <a:cs typeface="Times New Roman"/>
               </a:rPr>
-              <a:t>Revis</a:t>
-            </a:r>
-            <a:r>
-              <a:rPr lang="pt-BR" sz="2400" b="1" dirty="0" smtClean="0">
-                <a:solidFill>
-                  <a:schemeClr val="tx1">
-                    <a:lumMod val="50000"/>
-                    <a:lumOff val="50000"/>
-                  </a:schemeClr>
-                </a:solidFill>
-                <a:latin typeface="Times New Roman"/>
-                <a:cs typeface="Times New Roman"/>
-              </a:rPr>
-              <a:t>ão Sistemática e Meta-Análise</a:t>
+              <a:t>Revisão Sistemática e Meta-Análise</a:t>
             </a:r>
             <a:endParaRPr lang="pt-BR" sz="2400" b="1" dirty="0">
               <a:solidFill>
@@ -3449,70 +3407,56 @@
                 <a:latin typeface="Times New Roman"/>
                 <a:cs typeface="Times New Roman"/>
               </a:rPr>
-              <a:t>08</a:t>
+              <a:t>08 de </a:t>
+            </a:r>
+            <a:r>
+              <a:rPr lang="en-US" b="1" dirty="0" err="1" smtClean="0">
+                <a:latin typeface="Times New Roman"/>
+                <a:cs typeface="Times New Roman"/>
+              </a:rPr>
+              <a:t>setembro</a:t>
             </a:r>
             <a:r>
               <a:rPr lang="en-US" b="1" dirty="0" smtClean="0">
                 <a:latin typeface="Times New Roman"/>
                 <a:cs typeface="Times New Roman"/>
               </a:rPr>
-              <a:t> de </a:t>
+              <a:t>: </a:t>
             </a:r>
             <a:r>
               <a:rPr lang="en-US" b="1" dirty="0" err="1" smtClean="0">
                 <a:latin typeface="Times New Roman"/>
                 <a:cs typeface="Times New Roman"/>
               </a:rPr>
-              <a:t>setembro</a:t>
+              <a:t>Garantindo</a:t>
             </a:r>
             <a:r>
               <a:rPr lang="en-US" b="1" dirty="0" smtClean="0">
                 <a:latin typeface="Times New Roman"/>
                 <a:cs typeface="Times New Roman"/>
               </a:rPr>
-              <a:t>: </a:t>
+              <a:t> a </a:t>
             </a:r>
             <a:r>
               <a:rPr lang="en-US" b="1" dirty="0" err="1" smtClean="0">
                 <a:latin typeface="Times New Roman"/>
                 <a:cs typeface="Times New Roman"/>
               </a:rPr>
-              <a:t>Garantindo</a:t>
+              <a:t>Qualidade</a:t>
             </a:r>
             <a:r>
               <a:rPr lang="en-US" b="1" dirty="0" smtClean="0">
                 <a:latin typeface="Times New Roman"/>
                 <a:cs typeface="Times New Roman"/>
               </a:rPr>
-              <a:t> a </a:t>
+              <a:t> da Meta-</a:t>
             </a:r>
             <a:r>
               <a:rPr lang="en-US" b="1" dirty="0" err="1" smtClean="0">
                 <a:latin typeface="Times New Roman"/>
                 <a:cs typeface="Times New Roman"/>
               </a:rPr>
-              <a:t>Qualidade</a:t>
-            </a:r>
-            <a:r>
-              <a:rPr lang="en-US" b="1" dirty="0" smtClean="0">
-                <a:latin typeface="Times New Roman"/>
-                <a:cs typeface="Times New Roman"/>
-              </a:rPr>
-              <a:t> da Meta-</a:t>
-            </a:r>
-            <a:r>
-              <a:rPr lang="en-US" b="1" dirty="0" err="1" smtClean="0">
-                <a:latin typeface="Times New Roman"/>
-                <a:cs typeface="Times New Roman"/>
-              </a:rPr>
-              <a:t>An</a:t>
-            </a:r>
-            <a:r>
-              <a:rPr lang="en-US" b="1" dirty="0" err="1" smtClean="0">
-                <a:latin typeface="Times New Roman"/>
-                <a:cs typeface="Times New Roman"/>
-              </a:rPr>
-              <a:t>álise</a:t>
+              <a:t>Análise</a:t>
             </a:r>
             <a:endParaRPr lang="en-US" b="1" dirty="0" smtClean="0">
               <a:latin typeface="Times New Roman"/>
@@ -3532,14 +3476,7 @@
                 <a:latin typeface="Times New Roman"/>
                 <a:cs typeface="Times New Roman"/>
               </a:rPr>
-              <a:t>Vi</a:t>
-            </a:r>
-            <a:r>
-              <a:rPr lang="en-US" dirty="0" err="1" smtClean="0">
-                <a:latin typeface="Times New Roman"/>
-                <a:cs typeface="Times New Roman"/>
-              </a:rPr>
-              <a:t>és</a:t>
+              <a:t>Viés</a:t>
             </a:r>
             <a:r>
               <a:rPr lang="en-US" dirty="0" smtClean="0">
@@ -3761,49 +3698,28 @@
                 <a:latin typeface="Times New Roman"/>
                 <a:cs typeface="Times New Roman"/>
               </a:rPr>
-              <a:t>09</a:t>
+              <a:t>09 de </a:t>
+            </a:r>
+            <a:r>
+              <a:rPr lang="en-US" b="1" dirty="0" err="1" smtClean="0">
+                <a:latin typeface="Times New Roman"/>
+                <a:cs typeface="Times New Roman"/>
+              </a:rPr>
+              <a:t>setembro</a:t>
             </a:r>
             <a:r>
               <a:rPr lang="en-US" b="1" dirty="0" smtClean="0">
                 <a:latin typeface="Times New Roman"/>
                 <a:cs typeface="Times New Roman"/>
               </a:rPr>
-              <a:t> de </a:t>
+              <a:t>: Boas </a:t>
             </a:r>
             <a:r>
               <a:rPr lang="en-US" b="1" dirty="0" err="1" smtClean="0">
                 <a:latin typeface="Times New Roman"/>
                 <a:cs typeface="Times New Roman"/>
               </a:rPr>
-              <a:t>setembro</a:t>
-            </a:r>
-            <a:r>
-              <a:rPr lang="en-US" b="1" dirty="0" smtClean="0">
-                <a:latin typeface="Times New Roman"/>
-                <a:cs typeface="Times New Roman"/>
-              </a:rPr>
-              <a:t>: Boas </a:t>
-            </a:r>
-            <a:r>
-              <a:rPr lang="en-US" b="1" dirty="0" err="1" smtClean="0">
-                <a:latin typeface="Times New Roman"/>
-                <a:cs typeface="Times New Roman"/>
-              </a:rPr>
-              <a:t>p</a:t>
-            </a:r>
-            <a:r>
-              <a:rPr lang="en-US" b="1" dirty="0" err="1" smtClean="0">
-                <a:latin typeface="Times New Roman"/>
-                <a:cs typeface="Times New Roman"/>
-              </a:rPr>
-              <a:t>r</a:t>
-            </a:r>
-            <a:r>
-              <a:rPr lang="en-US" b="1" dirty="0" err="1" smtClean="0">
-                <a:latin typeface="Times New Roman"/>
-                <a:cs typeface="Times New Roman"/>
-              </a:rPr>
-              <a:t>áticas</a:t>
+              <a:t>práticas</a:t>
             </a:r>
             <a:r>
               <a:rPr lang="en-US" b="1" dirty="0" smtClean="0">
@@ -3960,14 +3876,7 @@
                 <a:latin typeface="Times New Roman"/>
                 <a:cs typeface="Times New Roman"/>
               </a:rPr>
-              <a:t>cient</a:t>
-            </a:r>
-            <a:r>
-              <a:rPr lang="en-US" dirty="0" err="1" smtClean="0">
-                <a:latin typeface="Times New Roman"/>
-                <a:cs typeface="Times New Roman"/>
-              </a:rPr>
-              <a:t>ífica</a:t>
+              <a:t>científica</a:t>
             </a:r>
             <a:r>
               <a:rPr lang="en-US" dirty="0" smtClean="0">
@@ -3976,10 +3885,6 @@
               </a:rPr>
               <a:t>.</a:t>
             </a:r>
-            <a:endParaRPr lang="en-US" dirty="0" smtClean="0">
-              <a:latin typeface="Times New Roman"/>
-              <a:cs typeface="Times New Roman"/>
-            </a:endParaRPr>
           </a:p>
         </p:txBody>
       </p:sp>
@@ -4312,10 +4217,6 @@
               </a:rPr>
               <a:t>.</a:t>
             </a:r>
-            <a:endParaRPr lang="en-US" b="1" dirty="0" smtClean="0">
-              <a:latin typeface="Times New Roman"/>
-              <a:cs typeface="Times New Roman"/>
-            </a:endParaRPr>
           </a:p>
         </p:txBody>
       </p:sp>
@@ -4512,19 +4413,7 @@
                 <a:latin typeface="Times New Roman"/>
                 <a:cs typeface="Times New Roman"/>
               </a:rPr>
-              <a:t>Introduç</a:t>
-            </a:r>
-            <a:r>
-              <a:rPr lang="en-US" sz="1400" b="1" dirty="0" err="1" smtClean="0">
-                <a:solidFill>
-                  <a:schemeClr val="bg1">
-                    <a:lumMod val="50000"/>
-                  </a:schemeClr>
-                </a:solidFill>
-                <a:latin typeface="Times New Roman"/>
-                <a:cs typeface="Times New Roman"/>
-              </a:rPr>
-              <a:t>ão</a:t>
+              <a:t>Introdução</a:t>
             </a:r>
             <a:endParaRPr lang="en-US" sz="1400" b="1" dirty="0" smtClean="0">
               <a:solidFill>
@@ -4554,19 +4443,7 @@
                 <a:latin typeface="Times New Roman"/>
                 <a:cs typeface="Times New Roman"/>
               </a:rPr>
-              <a:t>Hist</a:t>
-            </a:r>
-            <a:r>
-              <a:rPr lang="en-US" sz="1400" dirty="0" err="1" smtClean="0">
-                <a:solidFill>
-                  <a:schemeClr val="bg1">
-                    <a:lumMod val="50000"/>
-                  </a:schemeClr>
-                </a:solidFill>
-                <a:latin typeface="Times New Roman"/>
-                <a:cs typeface="Times New Roman"/>
-              </a:rPr>
-              <a:t>órico</a:t>
+              <a:t>Histórico</a:t>
             </a:r>
             <a:r>
               <a:rPr lang="en-US" sz="1400" dirty="0">
@@ -4787,15 +4664,6 @@
               </a:rPr>
               <a:t> PICO.</a:t>
             </a:r>
-            <a:endParaRPr lang="en-US" sz="1400" dirty="0" smtClean="0">
-              <a:solidFill>
-                <a:schemeClr val="bg1">
-                  <a:lumMod val="50000"/>
-                </a:schemeClr>
-              </a:solidFill>
-              <a:latin typeface="Times New Roman"/>
-              <a:cs typeface="Times New Roman"/>
-            </a:endParaRPr>
           </a:p>
         </p:txBody>
       </p:sp>
@@ -4903,14 +4771,7 @@
                 <a:latin typeface="Times New Roman"/>
                 <a:cs typeface="Times New Roman"/>
               </a:rPr>
-              <a:t>Motivaç</a:t>
-            </a:r>
-            <a:r>
-              <a:rPr lang="en-US" sz="1400" dirty="0" err="1" smtClean="0">
-                <a:latin typeface="Times New Roman"/>
-                <a:cs typeface="Times New Roman"/>
-              </a:rPr>
-              <a:t>ão</a:t>
+              <a:t>Motivação</a:t>
             </a:r>
             <a:r>
               <a:rPr lang="en-US" sz="1400" dirty="0">
@@ -5097,10 +4958,6 @@
               </a:rPr>
               <a:t> PICO.</a:t>
             </a:r>
-            <a:endParaRPr lang="en-US" sz="1400" dirty="0" smtClean="0">
-              <a:latin typeface="Times New Roman"/>
-              <a:cs typeface="Times New Roman"/>
-            </a:endParaRPr>
           </a:p>
         </p:txBody>
       </p:sp>
@@ -5134,17 +4991,7 @@
                 <a:latin typeface="Times New Roman"/>
                 <a:cs typeface="Times New Roman"/>
               </a:rPr>
-              <a:t>N</a:t>
-            </a:r>
-            <a:r>
-              <a:rPr lang="en-US" sz="2800" b="1" dirty="0" err="1" smtClean="0">
-                <a:solidFill>
-                  <a:srgbClr val="7F7F7F"/>
-                </a:solidFill>
-                <a:latin typeface="Times New Roman"/>
-                <a:cs typeface="Times New Roman"/>
-              </a:rPr>
-              <a:t>ós</a:t>
+              <a:t>Nós</a:t>
             </a:r>
             <a:endParaRPr lang="en-US" sz="2800" b="1" dirty="0">
               <a:solidFill>
@@ -5183,14 +5030,7 @@
                 <a:latin typeface="Times New Roman"/>
                 <a:cs typeface="Times New Roman"/>
               </a:rPr>
-              <a:t>Voc</a:t>
-            </a:r>
-            <a:r>
-              <a:rPr lang="en-US" sz="2800" b="1" dirty="0" err="1" smtClean="0">
-                <a:latin typeface="Times New Roman"/>
-                <a:cs typeface="Times New Roman"/>
-              </a:rPr>
-              <a:t>ê</a:t>
+              <a:t>Você</a:t>
             </a:r>
             <a:endParaRPr lang="en-US" sz="2800" b="1" dirty="0">
               <a:latin typeface="Times New Roman"/>
@@ -5306,7 +5146,17 @@
                 <a:latin typeface="Times New Roman"/>
                 <a:cs typeface="Times New Roman"/>
               </a:rPr>
-              <a:t>31</a:t>
+              <a:t>31 de </a:t>
+            </a:r>
+            <a:r>
+              <a:rPr lang="en-US" sz="1400" b="1" dirty="0" err="1" smtClean="0">
+                <a:solidFill>
+                  <a:srgbClr val="7F7F7F"/>
+                </a:solidFill>
+                <a:latin typeface="Times New Roman"/>
+                <a:cs typeface="Times New Roman"/>
+              </a:rPr>
+              <a:t>agosto</a:t>
             </a:r>
             <a:r>
               <a:rPr lang="en-US" sz="1400" b="1" dirty="0" smtClean="0">
@@ -5316,7 +5166,7 @@
                 <a:latin typeface="Times New Roman"/>
                 <a:cs typeface="Times New Roman"/>
               </a:rPr>
-              <a:t> de </a:t>
+              <a:t>: </a:t>
             </a:r>
             <a:r>
               <a:rPr lang="en-US" sz="1400" b="1" dirty="0" err="1" smtClean="0">
@@ -5326,7 +5176,7 @@
                 <a:latin typeface="Times New Roman"/>
                 <a:cs typeface="Times New Roman"/>
               </a:rPr>
-              <a:t>agosto</a:t>
+              <a:t>Iniciando</a:t>
             </a:r>
             <a:r>
               <a:rPr lang="en-US" sz="1400" b="1" dirty="0" smtClean="0">
@@ -5336,7 +5186,7 @@
                 <a:latin typeface="Times New Roman"/>
                 <a:cs typeface="Times New Roman"/>
               </a:rPr>
-              <a:t>: </a:t>
+              <a:t> </a:t>
             </a:r>
             <a:r>
               <a:rPr lang="en-US" sz="1400" b="1" dirty="0" err="1" smtClean="0">
@@ -5346,7 +5196,7 @@
                 <a:latin typeface="Times New Roman"/>
                 <a:cs typeface="Times New Roman"/>
               </a:rPr>
-              <a:t>Iniciando</a:t>
+              <a:t>uma</a:t>
             </a:r>
             <a:r>
               <a:rPr lang="en-US" sz="1400" b="1" dirty="0" smtClean="0">
@@ -5366,37 +5216,7 @@
                 <a:latin typeface="Times New Roman"/>
                 <a:cs typeface="Times New Roman"/>
               </a:rPr>
-              <a:t>uma</a:t>
-            </a:r>
-            <a:r>
-              <a:rPr lang="en-US" sz="1400" b="1" dirty="0" smtClean="0">
-                <a:solidFill>
-                  <a:srgbClr val="7F7F7F"/>
-                </a:solidFill>
-                <a:latin typeface="Times New Roman"/>
-                <a:cs typeface="Times New Roman"/>
-              </a:rPr>
-              <a:t> </a:t>
-            </a:r>
-            <a:r>
-              <a:rPr lang="en-US" sz="1400" b="1" dirty="0" err="1" smtClean="0">
-                <a:solidFill>
-                  <a:srgbClr val="7F7F7F"/>
-                </a:solidFill>
-                <a:latin typeface="Times New Roman"/>
-                <a:cs typeface="Times New Roman"/>
-              </a:rPr>
-              <a:t>Revis</a:t>
-            </a:r>
-            <a:r>
-              <a:rPr lang="en-US" sz="1400" b="1" dirty="0" err="1" smtClean="0">
-                <a:solidFill>
-                  <a:srgbClr val="7F7F7F"/>
-                </a:solidFill>
-                <a:latin typeface="Times New Roman"/>
-                <a:cs typeface="Times New Roman"/>
-              </a:rPr>
-              <a:t>ão</a:t>
+              <a:t>Revisão</a:t>
             </a:r>
             <a:r>
               <a:rPr lang="en-US" sz="1400" b="1" dirty="0" smtClean="0">
@@ -5511,17 +5331,7 @@
                 <a:latin typeface="Times New Roman"/>
                 <a:cs typeface="Times New Roman"/>
               </a:rPr>
-              <a:t>extraç</a:t>
-            </a:r>
-            <a:r>
-              <a:rPr lang="en-US" sz="1400" dirty="0" err="1" smtClean="0">
-                <a:solidFill>
-                  <a:srgbClr val="7F7F7F"/>
-                </a:solidFill>
-                <a:latin typeface="Times New Roman"/>
-                <a:cs typeface="Times New Roman"/>
-              </a:rPr>
-              <a:t>ão</a:t>
+              <a:t>extração</a:t>
             </a:r>
             <a:r>
               <a:rPr lang="en-US" sz="1400" dirty="0" smtClean="0">
@@ -5533,13 +5343,6 @@
               </a:rPr>
               <a:t> de dados;</a:t>
             </a:r>
-            <a:endParaRPr lang="en-US" sz="1400" dirty="0" smtClean="0">
-              <a:solidFill>
-                <a:srgbClr val="7F7F7F"/>
-              </a:solidFill>
-              <a:latin typeface="Times New Roman"/>
-              <a:cs typeface="Times New Roman"/>
-            </a:endParaRPr>
           </a:p>
           <a:p>
             <a:pPr marL="742950" lvl="1" indent="-285750">
@@ -5557,17 +5360,7 @@
                 <a:latin typeface="Times New Roman"/>
                 <a:cs typeface="Times New Roman"/>
               </a:rPr>
-              <a:t>M</a:t>
-            </a:r>
-            <a:r>
-              <a:rPr lang="en-US" sz="1400" dirty="0" err="1" smtClean="0">
-                <a:solidFill>
-                  <a:srgbClr val="7F7F7F"/>
-                </a:solidFill>
-                <a:latin typeface="Times New Roman"/>
-                <a:cs typeface="Times New Roman"/>
-              </a:rPr>
-              <a:t>étodos</a:t>
+              <a:t>Métodos</a:t>
             </a:r>
             <a:r>
               <a:rPr lang="en-US" sz="1400" dirty="0" smtClean="0">
@@ -5828,56 +5621,42 @@
                 <a:latin typeface="Times New Roman"/>
                 <a:cs typeface="Times New Roman"/>
               </a:rPr>
-              <a:t>31</a:t>
+              <a:t>31 de </a:t>
+            </a:r>
+            <a:r>
+              <a:rPr lang="en-US" sz="1400" b="1" dirty="0" err="1" smtClean="0">
+                <a:latin typeface="Times New Roman"/>
+                <a:cs typeface="Times New Roman"/>
+              </a:rPr>
+              <a:t>agosto</a:t>
             </a:r>
             <a:r>
               <a:rPr lang="en-US" sz="1400" b="1" dirty="0" smtClean="0">
                 <a:latin typeface="Times New Roman"/>
                 <a:cs typeface="Times New Roman"/>
               </a:rPr>
-              <a:t> de </a:t>
+              <a:t>: </a:t>
             </a:r>
             <a:r>
               <a:rPr lang="en-US" sz="1400" b="1" dirty="0" err="1" smtClean="0">
                 <a:latin typeface="Times New Roman"/>
                 <a:cs typeface="Times New Roman"/>
               </a:rPr>
-              <a:t>agosto</a:t>
+              <a:t>Planejamento</a:t>
             </a:r>
             <a:r>
               <a:rPr lang="en-US" sz="1400" b="1" dirty="0" smtClean="0">
                 <a:latin typeface="Times New Roman"/>
                 <a:cs typeface="Times New Roman"/>
               </a:rPr>
-              <a:t>: </a:t>
+              <a:t> e </a:t>
             </a:r>
             <a:r>
               <a:rPr lang="en-US" sz="1400" b="1" dirty="0" err="1" smtClean="0">
                 <a:latin typeface="Times New Roman"/>
                 <a:cs typeface="Times New Roman"/>
               </a:rPr>
-              <a:t>Planejamento</a:t>
-            </a:r>
-            <a:r>
-              <a:rPr lang="en-US" sz="1400" b="1" dirty="0" smtClean="0">
-                <a:latin typeface="Times New Roman"/>
-                <a:cs typeface="Times New Roman"/>
-              </a:rPr>
-              <a:t> e </a:t>
-            </a:r>
-            <a:r>
-              <a:rPr lang="en-US" sz="1400" b="1" dirty="0" err="1" smtClean="0">
-                <a:latin typeface="Times New Roman"/>
-                <a:cs typeface="Times New Roman"/>
-              </a:rPr>
-              <a:t>Estrat</a:t>
-            </a:r>
-            <a:r>
-              <a:rPr lang="en-US" sz="1400" b="1" dirty="0" err="1" smtClean="0">
-                <a:latin typeface="Times New Roman"/>
-                <a:cs typeface="Times New Roman"/>
-              </a:rPr>
-              <a:t>égia</a:t>
+              <a:t>Estratégia</a:t>
             </a:r>
             <a:endParaRPr lang="en-US" sz="1400" b="1" dirty="0" smtClean="0">
               <a:latin typeface="Times New Roman"/>
@@ -5999,14 +5778,7 @@
                 <a:latin typeface="Times New Roman"/>
                 <a:cs typeface="Times New Roman"/>
               </a:rPr>
-              <a:t>m</a:t>
-            </a:r>
-            <a:r>
-              <a:rPr lang="en-US" sz="1400" dirty="0" err="1" smtClean="0">
-                <a:latin typeface="Times New Roman"/>
-                <a:cs typeface="Times New Roman"/>
-              </a:rPr>
-              <a:t>ínimo</a:t>
+              <a:t>mínimo</a:t>
             </a:r>
             <a:r>
               <a:rPr lang="en-US" sz="1400" dirty="0" smtClean="0">
@@ -6057,14 +5829,7 @@
                 <a:latin typeface="Times New Roman"/>
                 <a:cs typeface="Times New Roman"/>
               </a:rPr>
-              <a:t>informaç</a:t>
-            </a:r>
-            <a:r>
-              <a:rPr lang="en-US" sz="1400" dirty="0" err="1" smtClean="0">
-                <a:latin typeface="Times New Roman"/>
-                <a:cs typeface="Times New Roman"/>
-              </a:rPr>
-              <a:t>ões</a:t>
+              <a:t>informações</a:t>
             </a:r>
             <a:r>
               <a:rPr lang="en-US" sz="1400" dirty="0" smtClean="0">
@@ -6138,17 +5903,7 @@
                 <a:latin typeface="Times New Roman"/>
                 <a:cs typeface="Times New Roman"/>
               </a:rPr>
-              <a:t>N</a:t>
-            </a:r>
-            <a:r>
-              <a:rPr lang="en-US" sz="2800" b="1" dirty="0" err="1" smtClean="0">
-                <a:solidFill>
-                  <a:srgbClr val="7F7F7F"/>
-                </a:solidFill>
-                <a:latin typeface="Times New Roman"/>
-                <a:cs typeface="Times New Roman"/>
-              </a:rPr>
-              <a:t>ós</a:t>
+              <a:t>Nós</a:t>
             </a:r>
             <a:endParaRPr lang="en-US" sz="2800" b="1" dirty="0">
               <a:solidFill>
@@ -6187,14 +5942,7 @@
                 <a:latin typeface="Times New Roman"/>
                 <a:cs typeface="Times New Roman"/>
               </a:rPr>
-              <a:t>Voc</a:t>
-            </a:r>
-            <a:r>
-              <a:rPr lang="en-US" sz="2800" b="1" dirty="0" err="1" smtClean="0">
-                <a:latin typeface="Times New Roman"/>
-                <a:cs typeface="Times New Roman"/>
-              </a:rPr>
-              <a:t>ê</a:t>
+              <a:t>Você</a:t>
             </a:r>
             <a:endParaRPr lang="en-US" sz="2800" b="1" dirty="0">
               <a:latin typeface="Times New Roman"/>
@@ -6310,7 +6058,17 @@
                 <a:latin typeface="Times New Roman"/>
                 <a:cs typeface="Times New Roman"/>
               </a:rPr>
-              <a:t>02</a:t>
+              <a:t>02 de </a:t>
+            </a:r>
+            <a:r>
+              <a:rPr lang="en-US" sz="1400" b="1" dirty="0" err="1" smtClean="0">
+                <a:solidFill>
+                  <a:srgbClr val="7F7F7F"/>
+                </a:solidFill>
+                <a:latin typeface="Times New Roman"/>
+                <a:cs typeface="Times New Roman"/>
+              </a:rPr>
+              <a:t>setembro</a:t>
             </a:r>
             <a:r>
               <a:rPr lang="en-US" sz="1400" b="1" dirty="0" smtClean="0">
@@ -6320,7 +6078,7 @@
                 <a:latin typeface="Times New Roman"/>
                 <a:cs typeface="Times New Roman"/>
               </a:rPr>
-              <a:t> de </a:t>
+              <a:t>: </a:t>
             </a:r>
             <a:r>
               <a:rPr lang="en-US" sz="1400" b="1" dirty="0" err="1" smtClean="0">
@@ -6330,7 +6088,7 @@
                 <a:latin typeface="Times New Roman"/>
                 <a:cs typeface="Times New Roman"/>
               </a:rPr>
-              <a:t>setembro</a:t>
+              <a:t>Iniciando</a:t>
             </a:r>
             <a:r>
               <a:rPr lang="en-US" sz="1400" b="1" dirty="0" smtClean="0">
@@ -6340,7 +6098,7 @@
                 <a:latin typeface="Times New Roman"/>
                 <a:cs typeface="Times New Roman"/>
               </a:rPr>
-              <a:t>: </a:t>
+              <a:t> </a:t>
             </a:r>
             <a:r>
               <a:rPr lang="en-US" sz="1400" b="1" dirty="0" err="1" smtClean="0">
@@ -6350,7 +6108,7 @@
                 <a:latin typeface="Times New Roman"/>
                 <a:cs typeface="Times New Roman"/>
               </a:rPr>
-              <a:t>Iniciando</a:t>
+              <a:t>uma</a:t>
             </a:r>
             <a:r>
               <a:rPr lang="en-US" sz="1400" b="1" dirty="0" smtClean="0">
@@ -6360,7 +6118,7 @@
                 <a:latin typeface="Times New Roman"/>
                 <a:cs typeface="Times New Roman"/>
               </a:rPr>
-              <a:t> </a:t>
+              <a:t> Meta-</a:t>
             </a:r>
             <a:r>
               <a:rPr lang="en-US" sz="1400" b="1" dirty="0" err="1" smtClean="0">
@@ -6370,37 +6128,7 @@
                 <a:latin typeface="Times New Roman"/>
                 <a:cs typeface="Times New Roman"/>
               </a:rPr>
-              <a:t>uma</a:t>
-            </a:r>
-            <a:r>
-              <a:rPr lang="en-US" sz="1400" b="1" dirty="0" smtClean="0">
-                <a:solidFill>
-                  <a:srgbClr val="7F7F7F"/>
-                </a:solidFill>
-                <a:latin typeface="Times New Roman"/>
-                <a:cs typeface="Times New Roman"/>
-              </a:rPr>
-              <a:t> Meta-</a:t>
-            </a:r>
-            <a:r>
-              <a:rPr lang="en-US" sz="1400" b="1" dirty="0" err="1" smtClean="0">
-                <a:solidFill>
-                  <a:srgbClr val="7F7F7F"/>
-                </a:solidFill>
-                <a:latin typeface="Times New Roman"/>
-                <a:cs typeface="Times New Roman"/>
-              </a:rPr>
-              <a:t>An</a:t>
-            </a:r>
-            <a:r>
-              <a:rPr lang="en-US" sz="1400" b="1" dirty="0" err="1" smtClean="0">
-                <a:solidFill>
-                  <a:srgbClr val="7F7F7F"/>
-                </a:solidFill>
-                <a:latin typeface="Times New Roman"/>
-                <a:cs typeface="Times New Roman"/>
-              </a:rPr>
-              <a:t>álise</a:t>
+              <a:t>Análise</a:t>
             </a:r>
             <a:endParaRPr lang="en-US" sz="1400" b="1" dirty="0" smtClean="0">
               <a:solidFill>
@@ -6619,14 +6347,7 @@
                 <a:latin typeface="Times New Roman"/>
                 <a:cs typeface="Times New Roman"/>
               </a:rPr>
-              <a:t>02</a:t>
-            </a:r>
-            <a:r>
-              <a:rPr lang="en-US" sz="1400" b="1" dirty="0" smtClean="0">
-                <a:latin typeface="Times New Roman"/>
-                <a:cs typeface="Times New Roman"/>
-              </a:rPr>
-              <a:t> de </a:t>
+              <a:t>02 de </a:t>
             </a:r>
             <a:r>
               <a:rPr lang="en-US" sz="1400" b="1" dirty="0" err="1" smtClean="0">
@@ -6774,14 +6495,7 @@
                 <a:latin typeface="Times New Roman"/>
                 <a:cs typeface="Times New Roman"/>
               </a:rPr>
-              <a:t>an</a:t>
-            </a:r>
-            <a:r>
-              <a:rPr lang="en-US" sz="1400" dirty="0" err="1" smtClean="0">
-                <a:latin typeface="Times New Roman"/>
-                <a:cs typeface="Times New Roman"/>
-              </a:rPr>
-              <a:t>álise</a:t>
+              <a:t>análise</a:t>
             </a:r>
             <a:r>
               <a:rPr lang="en-US" sz="1400" dirty="0">
@@ -6790,10 +6504,6 @@
               </a:rPr>
               <a:t>.</a:t>
             </a:r>
-            <a:endParaRPr lang="en-US" sz="1400" dirty="0">
-              <a:latin typeface="Times New Roman"/>
-              <a:cs typeface="Times New Roman"/>
-            </a:endParaRPr>
           </a:p>
         </p:txBody>
       </p:sp>
@@ -6827,17 +6537,7 @@
                 <a:latin typeface="Times New Roman"/>
                 <a:cs typeface="Times New Roman"/>
               </a:rPr>
-              <a:t>N</a:t>
-            </a:r>
-            <a:r>
-              <a:rPr lang="en-US" sz="2800" b="1" dirty="0" err="1" smtClean="0">
-                <a:solidFill>
-                  <a:srgbClr val="7F7F7F"/>
-                </a:solidFill>
-                <a:latin typeface="Times New Roman"/>
-                <a:cs typeface="Times New Roman"/>
-              </a:rPr>
-              <a:t>ós</a:t>
+              <a:t>Nós</a:t>
             </a:r>
             <a:endParaRPr lang="en-US" sz="2800" b="1" dirty="0">
               <a:solidFill>
@@ -6876,14 +6576,7 @@
                 <a:latin typeface="Times New Roman"/>
                 <a:cs typeface="Times New Roman"/>
               </a:rPr>
-              <a:t>Voc</a:t>
-            </a:r>
-            <a:r>
-              <a:rPr lang="en-US" sz="2800" b="1" dirty="0" err="1" smtClean="0">
-                <a:latin typeface="Times New Roman"/>
-                <a:cs typeface="Times New Roman"/>
-              </a:rPr>
-              <a:t>ê</a:t>
+              <a:t>Você</a:t>
             </a:r>
             <a:endParaRPr lang="en-US" sz="2800" b="1" dirty="0">
               <a:latin typeface="Times New Roman"/>
@@ -6999,7 +6692,17 @@
                 <a:latin typeface="Times New Roman"/>
                 <a:cs typeface="Times New Roman"/>
               </a:rPr>
-              <a:t>05</a:t>
+              <a:t>05 de </a:t>
+            </a:r>
+            <a:r>
+              <a:rPr lang="en-US" sz="1400" b="1" dirty="0" err="1" smtClean="0">
+                <a:solidFill>
+                  <a:srgbClr val="7F7F7F"/>
+                </a:solidFill>
+                <a:latin typeface="Times New Roman"/>
+                <a:cs typeface="Times New Roman"/>
+              </a:rPr>
+              <a:t>setembro</a:t>
             </a:r>
             <a:r>
               <a:rPr lang="en-US" sz="1400" b="1" dirty="0" smtClean="0">
@@ -7009,7 +6712,7 @@
                 <a:latin typeface="Times New Roman"/>
                 <a:cs typeface="Times New Roman"/>
               </a:rPr>
-              <a:t> de </a:t>
+              <a:t>: </a:t>
             </a:r>
             <a:r>
               <a:rPr lang="en-US" sz="1400" b="1" dirty="0" err="1" smtClean="0">
@@ -7019,7 +6722,7 @@
                 <a:latin typeface="Times New Roman"/>
                 <a:cs typeface="Times New Roman"/>
               </a:rPr>
-              <a:t>setembro</a:t>
+              <a:t>Realizando</a:t>
             </a:r>
             <a:r>
               <a:rPr lang="en-US" sz="1400" b="1" dirty="0" smtClean="0">
@@ -7029,7 +6732,7 @@
                 <a:latin typeface="Times New Roman"/>
                 <a:cs typeface="Times New Roman"/>
               </a:rPr>
-              <a:t>: </a:t>
+              <a:t> </a:t>
             </a:r>
             <a:r>
               <a:rPr lang="en-US" sz="1400" b="1" dirty="0" err="1" smtClean="0">
@@ -7039,7 +6742,7 @@
                 <a:latin typeface="Times New Roman"/>
                 <a:cs typeface="Times New Roman"/>
               </a:rPr>
-              <a:t>Realizando</a:t>
+              <a:t>uma</a:t>
             </a:r>
             <a:r>
               <a:rPr lang="en-US" sz="1400" b="1" dirty="0" smtClean="0">
@@ -7049,7 +6752,7 @@
                 <a:latin typeface="Times New Roman"/>
                 <a:cs typeface="Times New Roman"/>
               </a:rPr>
-              <a:t> </a:t>
+              <a:t> Meta-</a:t>
             </a:r>
             <a:r>
               <a:rPr lang="en-US" sz="1400" b="1" dirty="0" err="1" smtClean="0">
@@ -7059,37 +6762,7 @@
                 <a:latin typeface="Times New Roman"/>
                 <a:cs typeface="Times New Roman"/>
               </a:rPr>
-              <a:t>uma</a:t>
-            </a:r>
-            <a:r>
-              <a:rPr lang="en-US" sz="1400" b="1" dirty="0" smtClean="0">
-                <a:solidFill>
-                  <a:srgbClr val="7F7F7F"/>
-                </a:solidFill>
-                <a:latin typeface="Times New Roman"/>
-                <a:cs typeface="Times New Roman"/>
-              </a:rPr>
-              <a:t> Meta-</a:t>
-            </a:r>
-            <a:r>
-              <a:rPr lang="en-US" sz="1400" b="1" dirty="0" err="1" smtClean="0">
-                <a:solidFill>
-                  <a:srgbClr val="7F7F7F"/>
-                </a:solidFill>
-                <a:latin typeface="Times New Roman"/>
-                <a:cs typeface="Times New Roman"/>
-              </a:rPr>
-              <a:t>An</a:t>
-            </a:r>
-            <a:r>
-              <a:rPr lang="en-US" sz="1400" b="1" dirty="0" err="1" smtClean="0">
-                <a:solidFill>
-                  <a:srgbClr val="7F7F7F"/>
-                </a:solidFill>
-                <a:latin typeface="Times New Roman"/>
-                <a:cs typeface="Times New Roman"/>
-              </a:rPr>
-              <a:t>álise</a:t>
+              <a:t>Análise</a:t>
             </a:r>
             <a:endParaRPr lang="en-US" sz="1400" b="1" dirty="0" smtClean="0">
               <a:solidFill>
@@ -7315,17 +6988,7 @@
                 <a:latin typeface="Times New Roman"/>
                 <a:cs typeface="Times New Roman"/>
               </a:rPr>
-              <a:t>N</a:t>
-            </a:r>
-            <a:r>
-              <a:rPr lang="en-US" sz="2800" b="1" dirty="0" err="1" smtClean="0">
-                <a:solidFill>
-                  <a:srgbClr val="7F7F7F"/>
-                </a:solidFill>
-                <a:latin typeface="Times New Roman"/>
-                <a:cs typeface="Times New Roman"/>
-              </a:rPr>
-              <a:t>ós</a:t>
+              <a:t>Nós</a:t>
             </a:r>
             <a:endParaRPr lang="en-US" sz="2800" b="1" dirty="0">
               <a:solidFill>
@@ -7364,14 +7027,7 @@
                 <a:latin typeface="Times New Roman"/>
                 <a:cs typeface="Times New Roman"/>
               </a:rPr>
-              <a:t>Voc</a:t>
-            </a:r>
-            <a:r>
-              <a:rPr lang="en-US" sz="2800" b="1" dirty="0" err="1" smtClean="0">
-                <a:latin typeface="Times New Roman"/>
-                <a:cs typeface="Times New Roman"/>
-              </a:rPr>
-              <a:t>ê</a:t>
+              <a:t>Você</a:t>
             </a:r>
             <a:endParaRPr lang="en-US" sz="2800" b="1" dirty="0">
               <a:latin typeface="Times New Roman"/>
@@ -7412,14 +7068,7 @@
                 <a:latin typeface="Times New Roman"/>
                 <a:cs typeface="Times New Roman"/>
               </a:rPr>
-              <a:t>05</a:t>
-            </a:r>
-            <a:r>
-              <a:rPr lang="en-US" sz="1400" b="1" dirty="0" smtClean="0">
-                <a:latin typeface="Times New Roman"/>
-                <a:cs typeface="Times New Roman"/>
-              </a:rPr>
-              <a:t> de </a:t>
+              <a:t>05 de </a:t>
             </a:r>
             <a:r>
               <a:rPr lang="en-US" sz="1400" b="1" dirty="0" err="1" smtClean="0">
@@ -7488,14 +7137,7 @@
                 <a:latin typeface="Times New Roman"/>
                 <a:cs typeface="Times New Roman"/>
               </a:rPr>
-              <a:t>diagn</a:t>
-            </a:r>
-            <a:r>
-              <a:rPr lang="en-US" sz="1400" dirty="0" err="1" smtClean="0">
-                <a:latin typeface="Times New Roman"/>
-                <a:cs typeface="Times New Roman"/>
-              </a:rPr>
-              <a:t>óstico</a:t>
+              <a:t>diagnóstico</a:t>
             </a:r>
             <a:r>
               <a:rPr lang="en-US" sz="1400" dirty="0" smtClean="0">
@@ -7669,7 +7311,17 @@
                 <a:latin typeface="Times New Roman"/>
                 <a:cs typeface="Times New Roman"/>
               </a:rPr>
-              <a:t>08</a:t>
+              <a:t>08 de </a:t>
+            </a:r>
+            <a:r>
+              <a:rPr lang="en-US" sz="1400" b="1" dirty="0" err="1" smtClean="0">
+                <a:solidFill>
+                  <a:srgbClr val="7F7F7F"/>
+                </a:solidFill>
+                <a:latin typeface="Times New Roman"/>
+                <a:cs typeface="Times New Roman"/>
+              </a:rPr>
+              <a:t>setembro</a:t>
             </a:r>
             <a:r>
               <a:rPr lang="en-US" sz="1400" b="1" dirty="0" smtClean="0">
@@ -7679,7 +7331,7 @@
                 <a:latin typeface="Times New Roman"/>
                 <a:cs typeface="Times New Roman"/>
               </a:rPr>
-              <a:t> de </a:t>
+              <a:t>: </a:t>
             </a:r>
             <a:r>
               <a:rPr lang="en-US" sz="1400" b="1" dirty="0" err="1" smtClean="0">
@@ -7689,7 +7341,7 @@
                 <a:latin typeface="Times New Roman"/>
                 <a:cs typeface="Times New Roman"/>
               </a:rPr>
-              <a:t>setembro</a:t>
+              <a:t>Garantindo</a:t>
             </a:r>
             <a:r>
               <a:rPr lang="en-US" sz="1400" b="1" dirty="0" smtClean="0">
@@ -7699,7 +7351,7 @@
                 <a:latin typeface="Times New Roman"/>
                 <a:cs typeface="Times New Roman"/>
               </a:rPr>
-              <a:t>: </a:t>
+              <a:t> a </a:t>
             </a:r>
             <a:r>
               <a:rPr lang="en-US" sz="1400" b="1" dirty="0" err="1" smtClean="0">
@@ -7709,7 +7361,7 @@
                 <a:latin typeface="Times New Roman"/>
                 <a:cs typeface="Times New Roman"/>
               </a:rPr>
-              <a:t>Garantindo</a:t>
+              <a:t>Qualidade</a:t>
             </a:r>
             <a:r>
               <a:rPr lang="en-US" sz="1400" b="1" dirty="0" smtClean="0">
@@ -7719,7 +7371,7 @@
                 <a:latin typeface="Times New Roman"/>
                 <a:cs typeface="Times New Roman"/>
               </a:rPr>
-              <a:t> a </a:t>
+              <a:t> da Meta-</a:t>
             </a:r>
             <a:r>
               <a:rPr lang="en-US" sz="1400" b="1" dirty="0" err="1" smtClean="0">
@@ -7729,37 +7381,7 @@
                 <a:latin typeface="Times New Roman"/>
                 <a:cs typeface="Times New Roman"/>
               </a:rPr>
-              <a:t>Qualidade</a:t>
-            </a:r>
-            <a:r>
-              <a:rPr lang="en-US" sz="1400" b="1" dirty="0" smtClean="0">
-                <a:solidFill>
-                  <a:srgbClr val="7F7F7F"/>
-                </a:solidFill>
-                <a:latin typeface="Times New Roman"/>
-                <a:cs typeface="Times New Roman"/>
-              </a:rPr>
-              <a:t> da Meta-</a:t>
-            </a:r>
-            <a:r>
-              <a:rPr lang="en-US" sz="1400" b="1" dirty="0" err="1" smtClean="0">
-                <a:solidFill>
-                  <a:srgbClr val="7F7F7F"/>
-                </a:solidFill>
-                <a:latin typeface="Times New Roman"/>
-                <a:cs typeface="Times New Roman"/>
-              </a:rPr>
-              <a:t>An</a:t>
-            </a:r>
-            <a:r>
-              <a:rPr lang="en-US" sz="1400" b="1" dirty="0" err="1" smtClean="0">
-                <a:solidFill>
-                  <a:srgbClr val="7F7F7F"/>
-                </a:solidFill>
-                <a:latin typeface="Times New Roman"/>
-                <a:cs typeface="Times New Roman"/>
-              </a:rPr>
-              <a:t>álise</a:t>
+              <a:t>Análise</a:t>
             </a:r>
             <a:endParaRPr lang="en-US" sz="1400" b="1" dirty="0" smtClean="0">
               <a:solidFill>
@@ -7785,17 +7407,7 @@
                 <a:latin typeface="Times New Roman"/>
                 <a:cs typeface="Times New Roman"/>
               </a:rPr>
-              <a:t>Vi</a:t>
-            </a:r>
-            <a:r>
-              <a:rPr lang="en-US" sz="1400" dirty="0" err="1" smtClean="0">
-                <a:solidFill>
-                  <a:srgbClr val="7F7F7F"/>
-                </a:solidFill>
-                <a:latin typeface="Times New Roman"/>
-                <a:cs typeface="Times New Roman"/>
-              </a:rPr>
-              <a:t>és</a:t>
+              <a:t>Viés</a:t>
             </a:r>
             <a:r>
               <a:rPr lang="en-US" sz="1400" dirty="0" smtClean="0">
@@ -7987,14 +7599,7 @@
                 <a:latin typeface="Times New Roman"/>
                 <a:cs typeface="Times New Roman"/>
               </a:rPr>
-              <a:t>08</a:t>
-            </a:r>
-            <a:r>
-              <a:rPr lang="en-US" sz="1400" b="1" dirty="0" smtClean="0">
-                <a:latin typeface="Times New Roman"/>
-                <a:cs typeface="Times New Roman"/>
-              </a:rPr>
-              <a:t> de </a:t>
+              <a:t>08 de </a:t>
             </a:r>
             <a:r>
               <a:rPr lang="en-US" sz="1400" b="1" dirty="0" err="1" smtClean="0">
@@ -8049,40 +7654,29 @@
                 <a:latin typeface="Times New Roman"/>
                 <a:cs typeface="Times New Roman"/>
               </a:rPr>
-              <a:t>poss</a:t>
+              <a:t>possíveis</a:t>
+            </a:r>
+            <a:r>
+              <a:rPr lang="en-US" sz="1400" dirty="0" smtClean="0">
+                <a:latin typeface="Times New Roman"/>
+                <a:cs typeface="Times New Roman"/>
+              </a:rPr>
+              <a:t> </a:t>
             </a:r>
             <a:r>
               <a:rPr lang="en-US" sz="1400" dirty="0" err="1" smtClean="0">
                 <a:latin typeface="Times New Roman"/>
                 <a:cs typeface="Times New Roman"/>
               </a:rPr>
-              <a:t>íveis</a:t>
+              <a:t>viéses</a:t>
             </a:r>
             <a:r>
               <a:rPr lang="en-US" sz="1400" dirty="0" smtClean="0">
                 <a:latin typeface="Times New Roman"/>
                 <a:cs typeface="Times New Roman"/>
               </a:rPr>
-              <a:t> </a:t>
-            </a:r>
-            <a:r>
-              <a:rPr lang="en-US" sz="1400" dirty="0" err="1" smtClean="0">
-                <a:latin typeface="Times New Roman"/>
-                <a:cs typeface="Times New Roman"/>
-              </a:rPr>
-              <a:t>viéses</a:t>
-            </a:r>
-            <a:r>
-              <a:rPr lang="en-US" sz="1400" dirty="0" smtClean="0">
-                <a:latin typeface="Times New Roman"/>
-                <a:cs typeface="Times New Roman"/>
-              </a:rPr>
               <a:t>;</a:t>
             </a:r>
-            <a:endParaRPr lang="en-US" sz="1400" dirty="0" smtClean="0">
-              <a:latin typeface="Times New Roman"/>
-              <a:cs typeface="Times New Roman"/>
-            </a:endParaRPr>
           </a:p>
         </p:txBody>
       </p:sp>
@@ -8116,17 +7710,7 @@
                 <a:latin typeface="Times New Roman"/>
                 <a:cs typeface="Times New Roman"/>
               </a:rPr>
-              <a:t>N</a:t>
-            </a:r>
-            <a:r>
-              <a:rPr lang="en-US" sz="2800" b="1" dirty="0" err="1" smtClean="0">
-                <a:solidFill>
-                  <a:srgbClr val="7F7F7F"/>
-                </a:solidFill>
-                <a:latin typeface="Times New Roman"/>
-                <a:cs typeface="Times New Roman"/>
-              </a:rPr>
-              <a:t>ós</a:t>
+              <a:t>Nós</a:t>
             </a:r>
             <a:endParaRPr lang="en-US" sz="2800" b="1" dirty="0">
               <a:solidFill>
@@ -8165,14 +7749,7 @@
                 <a:latin typeface="Times New Roman"/>
                 <a:cs typeface="Times New Roman"/>
               </a:rPr>
-              <a:t>Voc</a:t>
-            </a:r>
-            <a:r>
-              <a:rPr lang="en-US" sz="2800" b="1" dirty="0" err="1" smtClean="0">
-                <a:latin typeface="Times New Roman"/>
-                <a:cs typeface="Times New Roman"/>
-              </a:rPr>
-              <a:t>ê</a:t>
+              <a:t>Você</a:t>
             </a:r>
             <a:endParaRPr lang="en-US" sz="2800" b="1" dirty="0">
               <a:latin typeface="Times New Roman"/>
@@ -8288,7 +7865,17 @@
                 <a:latin typeface="Times New Roman"/>
                 <a:cs typeface="Times New Roman"/>
               </a:rPr>
-              <a:t>09</a:t>
+              <a:t>09 de </a:t>
+            </a:r>
+            <a:r>
+              <a:rPr lang="en-US" sz="1400" b="1" dirty="0" err="1" smtClean="0">
+                <a:solidFill>
+                  <a:srgbClr val="7F7F7F"/>
+                </a:solidFill>
+                <a:latin typeface="Times New Roman"/>
+                <a:cs typeface="Times New Roman"/>
+              </a:rPr>
+              <a:t>setembro</a:t>
             </a:r>
             <a:r>
               <a:rPr lang="en-US" sz="1400" b="1" dirty="0" smtClean="0">
@@ -8298,7 +7885,7 @@
                 <a:latin typeface="Times New Roman"/>
                 <a:cs typeface="Times New Roman"/>
               </a:rPr>
-              <a:t> de </a:t>
+              <a:t>: Boas </a:t>
             </a:r>
             <a:r>
               <a:rPr lang="en-US" sz="1400" b="1" dirty="0" err="1" smtClean="0">
@@ -8308,47 +7895,7 @@
                 <a:latin typeface="Times New Roman"/>
                 <a:cs typeface="Times New Roman"/>
               </a:rPr>
-              <a:t>setembro</a:t>
-            </a:r>
-            <a:r>
-              <a:rPr lang="en-US" sz="1400" b="1" dirty="0" smtClean="0">
-                <a:solidFill>
-                  <a:srgbClr val="7F7F7F"/>
-                </a:solidFill>
-                <a:latin typeface="Times New Roman"/>
-                <a:cs typeface="Times New Roman"/>
-              </a:rPr>
-              <a:t>: Boas </a:t>
-            </a:r>
-            <a:r>
-              <a:rPr lang="en-US" sz="1400" b="1" dirty="0" err="1" smtClean="0">
-                <a:solidFill>
-                  <a:srgbClr val="7F7F7F"/>
-                </a:solidFill>
-                <a:latin typeface="Times New Roman"/>
-                <a:cs typeface="Times New Roman"/>
-              </a:rPr>
-              <a:t>p</a:t>
-            </a:r>
-            <a:r>
-              <a:rPr lang="en-US" sz="1400" b="1" dirty="0" err="1" smtClean="0">
-                <a:solidFill>
-                  <a:srgbClr val="7F7F7F"/>
-                </a:solidFill>
-                <a:latin typeface="Times New Roman"/>
-                <a:cs typeface="Times New Roman"/>
-              </a:rPr>
-              <a:t>r</a:t>
-            </a:r>
-            <a:r>
-              <a:rPr lang="en-US" sz="1400" b="1" dirty="0" err="1" smtClean="0">
-                <a:solidFill>
-                  <a:srgbClr val="7F7F7F"/>
-                </a:solidFill>
-                <a:latin typeface="Times New Roman"/>
-                <a:cs typeface="Times New Roman"/>
-              </a:rPr>
-              <a:t>áticas</a:t>
+              <a:t>práticas</a:t>
             </a:r>
             <a:r>
               <a:rPr lang="en-US" sz="1400" b="1" dirty="0" smtClean="0">
@@ -8562,17 +8109,7 @@
                 <a:latin typeface="Times New Roman"/>
                 <a:cs typeface="Times New Roman"/>
               </a:rPr>
-              <a:t>cient</a:t>
-            </a:r>
-            <a:r>
-              <a:rPr lang="en-US" sz="1400" dirty="0" err="1" smtClean="0">
-                <a:solidFill>
-                  <a:srgbClr val="7F7F7F"/>
-                </a:solidFill>
-                <a:latin typeface="Times New Roman"/>
-                <a:cs typeface="Times New Roman"/>
-              </a:rPr>
-              <a:t>ífica</a:t>
+              <a:t>científica</a:t>
             </a:r>
             <a:r>
               <a:rPr lang="en-US" sz="1400" dirty="0" smtClean="0">
@@ -8584,13 +8121,6 @@
               </a:rPr>
               <a:t>.</a:t>
             </a:r>
-            <a:endParaRPr lang="en-US" sz="1400" dirty="0" smtClean="0">
-              <a:solidFill>
-                <a:srgbClr val="7F7F7F"/>
-              </a:solidFill>
-              <a:latin typeface="Times New Roman"/>
-              <a:cs typeface="Times New Roman"/>
-            </a:endParaRPr>
           </a:p>
         </p:txBody>
       </p:sp>
@@ -8624,17 +8154,7 @@
                 <a:latin typeface="Times New Roman"/>
                 <a:cs typeface="Times New Roman"/>
               </a:rPr>
-              <a:t>N</a:t>
-            </a:r>
-            <a:r>
-              <a:rPr lang="en-US" sz="2800" b="1" dirty="0" err="1" smtClean="0">
-                <a:solidFill>
-                  <a:srgbClr val="7F7F7F"/>
-                </a:solidFill>
-                <a:latin typeface="Times New Roman"/>
-                <a:cs typeface="Times New Roman"/>
-              </a:rPr>
-              <a:t>ós</a:t>
+              <a:t>Nós</a:t>
             </a:r>
             <a:endParaRPr lang="en-US" sz="2800" b="1" dirty="0">
               <a:solidFill>
@@ -8673,14 +8193,7 @@
                 <a:latin typeface="Times New Roman"/>
                 <a:cs typeface="Times New Roman"/>
               </a:rPr>
-              <a:t>Voc</a:t>
-            </a:r>
-            <a:r>
-              <a:rPr lang="en-US" sz="2800" b="1" dirty="0" err="1" smtClean="0">
-                <a:latin typeface="Times New Roman"/>
-                <a:cs typeface="Times New Roman"/>
-              </a:rPr>
-              <a:t>ê</a:t>
+              <a:t>Você</a:t>
             </a:r>
             <a:endParaRPr lang="en-US" sz="2800" b="1" dirty="0">
               <a:latin typeface="Times New Roman"/>
@@ -8721,14 +8234,7 @@
                 <a:latin typeface="Times New Roman"/>
                 <a:cs typeface="Times New Roman"/>
               </a:rPr>
-              <a:t>09</a:t>
-            </a:r>
-            <a:r>
-              <a:rPr lang="en-US" sz="1400" b="1" dirty="0" smtClean="0">
-                <a:latin typeface="Times New Roman"/>
-                <a:cs typeface="Times New Roman"/>
-              </a:rPr>
-              <a:t> de </a:t>
+              <a:t>09 de </a:t>
             </a:r>
             <a:r>
               <a:rPr lang="en-US" sz="1400" b="1" dirty="0" err="1" smtClean="0">
@@ -8842,14 +8348,21 @@
                 <a:latin typeface="Times New Roman"/>
                 <a:cs typeface="Times New Roman"/>
               </a:rPr>
-              <a:t>Revis</a:t>
+              <a:t>Revisão</a:t>
+            </a:r>
+            <a:r>
+              <a:rPr lang="en-US" sz="1400" dirty="0" smtClean="0">
+                <a:latin typeface="Times New Roman"/>
+                <a:cs typeface="Times New Roman"/>
+              </a:rPr>
+              <a:t> </a:t>
             </a:r>
             <a:r>
               <a:rPr lang="en-US" sz="1400" dirty="0" err="1" smtClean="0">
                 <a:latin typeface="Times New Roman"/>
                 <a:cs typeface="Times New Roman"/>
               </a:rPr>
-              <a:t>ão</a:t>
+              <a:t>Sistemática</a:t>
             </a:r>
             <a:r>
               <a:rPr lang="en-US" sz="1400" dirty="0" smtClean="0">
@@ -8863,47 +8376,29 @@
                 <a:latin typeface="Times New Roman"/>
                 <a:cs typeface="Times New Roman"/>
               </a:rPr>
-              <a:t>Sistemática</a:t>
+              <a:t>ou</a:t>
             </a:r>
             <a:r>
               <a:rPr lang="en-US" sz="1400" dirty="0" smtClean="0">
                 <a:latin typeface="Times New Roman"/>
                 <a:cs typeface="Times New Roman"/>
               </a:rPr>
-              <a:t> </a:t>
+              <a:t> Meta-</a:t>
             </a:r>
             <a:r>
               <a:rPr lang="en-US" sz="1400" dirty="0" err="1" smtClean="0">
                 <a:latin typeface="Times New Roman"/>
                 <a:cs typeface="Times New Roman"/>
               </a:rPr>
-              <a:t>ou</a:t>
+              <a:t>Análise</a:t>
             </a:r>
             <a:r>
               <a:rPr lang="en-US" sz="1400" dirty="0" smtClean="0">
                 <a:latin typeface="Times New Roman"/>
                 <a:cs typeface="Times New Roman"/>
               </a:rPr>
-              <a:t> Meta-</a:t>
-            </a:r>
-            <a:r>
-              <a:rPr lang="en-US" sz="1400" dirty="0" err="1" smtClean="0">
-                <a:latin typeface="Times New Roman"/>
-                <a:cs typeface="Times New Roman"/>
-              </a:rPr>
-              <a:t>Análise</a:t>
-            </a:r>
-            <a:r>
-              <a:rPr lang="en-US" sz="1400" dirty="0" smtClean="0">
-                <a:latin typeface="Times New Roman"/>
-                <a:cs typeface="Times New Roman"/>
-              </a:rPr>
               <a:t>.</a:t>
             </a:r>
-            <a:endParaRPr lang="en-US" sz="1400" dirty="0" smtClean="0">
-              <a:latin typeface="Times New Roman"/>
-              <a:cs typeface="Times New Roman"/>
-            </a:endParaRPr>
           </a:p>
         </p:txBody>
       </p:sp>
@@ -8987,7 +8482,7 @@
         </p:nvSpPr>
         <p:spPr>
           <a:xfrm>
-            <a:off x="639004" y="1587612"/>
+            <a:off x="631923" y="1587612"/>
             <a:ext cx="8328202" cy="1938992"/>
           </a:xfrm>
           <a:prstGeom prst="rect">
@@ -9134,23 +8629,408 @@
                 <a:latin typeface="Times New Roman"/>
                 <a:cs typeface="Times New Roman"/>
               </a:rPr>
-              <a:t>ma</a:t>
-            </a:r>
-            <a:r>
-              <a:rPr lang="en-US" sz="2400" b="1" u="sng" dirty="0" err="1" smtClean="0">
+              <a:t>maR</a:t>
+            </a:r>
+            <a:r>
+              <a:rPr lang="en-US" sz="2400" b="1" u="sng" dirty="0" smtClean="0">
+                <a:latin typeface="Times New Roman"/>
+                <a:cs typeface="Times New Roman"/>
+              </a:rPr>
+              <a:t> </a:t>
+            </a:r>
+          </a:p>
+        </p:txBody>
+      </p:sp>
+      <p:sp>
+        <p:nvSpPr>
+          <p:cNvPr id="4" name="TextBox 3"/>
+          <p:cNvSpPr txBox="1"/>
+          <p:nvPr/>
+        </p:nvSpPr>
+        <p:spPr>
+          <a:xfrm>
+            <a:off x="631923" y="3770084"/>
+            <a:ext cx="8328202" cy="2262158"/>
+          </a:xfrm>
+          <a:prstGeom prst="rect">
+            <a:avLst/>
+          </a:prstGeom>
+          <a:noFill/>
+        </p:spPr>
+        <p:txBody>
+          <a:bodyPr wrap="square" rtlCol="0">
+            <a:spAutoFit/>
+          </a:bodyPr>
+          <a:lstStyle/>
+          <a:p>
+            <a:pPr marL="285750" indent="-285750">
+              <a:lnSpc>
+                <a:spcPct val="200000"/>
+              </a:lnSpc>
+              <a:buFont typeface="Arial"/>
+              <a:buChar char="•"/>
+            </a:pPr>
+            <a:r>
+              <a:rPr lang="en-US" dirty="0" err="1" smtClean="0">
+                <a:latin typeface="Times New Roman"/>
+                <a:cs typeface="Times New Roman"/>
+              </a:rPr>
+              <a:t>Algumas</a:t>
+            </a:r>
+            <a:r>
+              <a:rPr lang="en-US" dirty="0" smtClean="0">
+                <a:latin typeface="Times New Roman"/>
+                <a:cs typeface="Times New Roman"/>
+              </a:rPr>
+              <a:t> </a:t>
+            </a:r>
+            <a:r>
+              <a:rPr lang="en-US" dirty="0" err="1" smtClean="0">
+                <a:latin typeface="Times New Roman"/>
+                <a:cs typeface="Times New Roman"/>
+              </a:rPr>
+              <a:t>aulas</a:t>
+            </a:r>
+            <a:r>
+              <a:rPr lang="en-US" dirty="0" smtClean="0">
+                <a:latin typeface="Times New Roman"/>
+                <a:cs typeface="Times New Roman"/>
+              </a:rPr>
+              <a:t> </a:t>
+            </a:r>
+            <a:r>
+              <a:rPr lang="en-US" dirty="0" err="1" smtClean="0">
+                <a:latin typeface="Times New Roman"/>
+                <a:cs typeface="Times New Roman"/>
+              </a:rPr>
+              <a:t>feitas</a:t>
+            </a:r>
+            <a:r>
+              <a:rPr lang="en-US" dirty="0" smtClean="0">
+                <a:latin typeface="Times New Roman"/>
+                <a:cs typeface="Times New Roman"/>
+              </a:rPr>
+              <a:t> no Power Point;</a:t>
+            </a:r>
+          </a:p>
+          <a:p>
+            <a:pPr marL="285750" indent="-285750">
+              <a:lnSpc>
+                <a:spcPct val="200000"/>
+              </a:lnSpc>
+              <a:buFont typeface="Arial"/>
+              <a:buChar char="•"/>
+            </a:pPr>
+            <a:r>
+              <a:rPr lang="en-US" dirty="0" err="1" smtClean="0">
+                <a:latin typeface="Times New Roman"/>
+                <a:cs typeface="Times New Roman"/>
+              </a:rPr>
+              <a:t>Algumas</a:t>
+            </a:r>
+            <a:r>
+              <a:rPr lang="en-US" dirty="0" smtClean="0">
+                <a:latin typeface="Times New Roman"/>
+                <a:cs typeface="Times New Roman"/>
+              </a:rPr>
+              <a:t> </a:t>
+            </a:r>
+            <a:r>
+              <a:rPr lang="en-US" dirty="0" err="1" smtClean="0">
+                <a:latin typeface="Times New Roman"/>
+                <a:cs typeface="Times New Roman"/>
+              </a:rPr>
+              <a:t>aulas</a:t>
+            </a:r>
+            <a:r>
+              <a:rPr lang="en-US" dirty="0" smtClean="0">
+                <a:latin typeface="Times New Roman"/>
+                <a:cs typeface="Times New Roman"/>
+              </a:rPr>
+              <a:t> </a:t>
+            </a:r>
+            <a:r>
+              <a:rPr lang="en-US" dirty="0" err="1" smtClean="0">
+                <a:latin typeface="Times New Roman"/>
+                <a:cs typeface="Times New Roman"/>
+              </a:rPr>
+              <a:t>feitas</a:t>
+            </a:r>
+            <a:r>
+              <a:rPr lang="en-US" dirty="0" smtClean="0">
+                <a:latin typeface="Times New Roman"/>
+                <a:cs typeface="Times New Roman"/>
+              </a:rPr>
+              <a:t> </a:t>
+            </a:r>
+            <a:r>
+              <a:rPr lang="en-US" dirty="0" err="1" smtClean="0">
+                <a:latin typeface="Times New Roman"/>
+                <a:cs typeface="Times New Roman"/>
+              </a:rPr>
+              <a:t>em</a:t>
+            </a:r>
+            <a:r>
+              <a:rPr lang="en-US" dirty="0" smtClean="0">
+                <a:latin typeface="Times New Roman"/>
+                <a:cs typeface="Times New Roman"/>
+              </a:rPr>
+              <a:t> </a:t>
+            </a:r>
+            <a:r>
+              <a:rPr lang="en-US" dirty="0" err="1" smtClean="0">
+                <a:latin typeface="Times New Roman"/>
+                <a:cs typeface="Times New Roman"/>
+              </a:rPr>
+              <a:t>rMarkdown</a:t>
+            </a:r>
+            <a:r>
+              <a:rPr lang="en-US" dirty="0" smtClean="0">
+                <a:latin typeface="Times New Roman"/>
+                <a:cs typeface="Times New Roman"/>
+              </a:rPr>
+              <a:t>: </a:t>
+            </a:r>
+            <a:r>
+              <a:rPr lang="en-US" dirty="0" err="1" smtClean="0">
+                <a:latin typeface="Times New Roman"/>
+                <a:cs typeface="Times New Roman"/>
+              </a:rPr>
+              <a:t>combina</a:t>
+            </a:r>
+            <a:r>
+              <a:rPr lang="en-US" dirty="0" smtClean="0">
+                <a:latin typeface="Times New Roman"/>
+                <a:cs typeface="Times New Roman"/>
+              </a:rPr>
+              <a:t> </a:t>
+            </a:r>
+            <a:r>
+              <a:rPr lang="en-US" dirty="0" err="1" smtClean="0">
+                <a:latin typeface="Times New Roman"/>
+                <a:cs typeface="Times New Roman"/>
+              </a:rPr>
+              <a:t>texto</a:t>
+            </a:r>
+            <a:r>
+              <a:rPr lang="en-US" dirty="0" smtClean="0">
+                <a:latin typeface="Times New Roman"/>
+                <a:cs typeface="Times New Roman"/>
+              </a:rPr>
+              <a:t> </a:t>
+            </a:r>
+            <a:r>
+              <a:rPr lang="en-US" dirty="0" err="1" smtClean="0">
+                <a:latin typeface="Times New Roman"/>
+                <a:cs typeface="Times New Roman"/>
+              </a:rPr>
+              <a:t>corrido</a:t>
+            </a:r>
+            <a:r>
+              <a:rPr lang="en-US" dirty="0" smtClean="0">
+                <a:latin typeface="Times New Roman"/>
+                <a:cs typeface="Times New Roman"/>
+              </a:rPr>
+              <a:t> com </a:t>
+            </a:r>
+            <a:r>
+              <a:rPr lang="en-US" dirty="0" err="1" smtClean="0">
+                <a:latin typeface="Times New Roman"/>
+                <a:cs typeface="Times New Roman"/>
+              </a:rPr>
+              <a:t>programação</a:t>
+            </a:r>
+            <a:r>
+              <a:rPr lang="en-US" dirty="0">
+                <a:latin typeface="Times New Roman"/>
+                <a:cs typeface="Times New Roman"/>
+              </a:rPr>
+              <a:t>.</a:t>
+            </a:r>
+            <a:endParaRPr lang="en-US" dirty="0" smtClean="0">
+              <a:latin typeface="Times New Roman"/>
+              <a:cs typeface="Times New Roman"/>
+            </a:endParaRPr>
+          </a:p>
+          <a:p>
+            <a:pPr marL="800100" lvl="1" indent="-342900">
+              <a:lnSpc>
+                <a:spcPct val="200000"/>
+              </a:lnSpc>
+              <a:buFont typeface="+mj-lt"/>
+              <a:buAutoNum type="alphaLcPeriod"/>
+            </a:pPr>
+            <a:r>
+              <a:rPr lang="en-US" dirty="0">
+                <a:latin typeface="Times New Roman"/>
+                <a:cs typeface="Times New Roman"/>
+              </a:rPr>
+              <a:t>.</a:t>
+            </a:r>
+            <a:r>
+              <a:rPr lang="en-US" i="1" dirty="0" err="1" smtClean="0">
+                <a:latin typeface="Times New Roman"/>
+                <a:cs typeface="Times New Roman"/>
+              </a:rPr>
+              <a:t>pdf</a:t>
+            </a:r>
+            <a:r>
+              <a:rPr lang="en-US" dirty="0" smtClean="0">
+                <a:latin typeface="Times New Roman"/>
+                <a:cs typeface="Times New Roman"/>
+              </a:rPr>
+              <a:t>: </a:t>
+            </a:r>
+            <a:r>
+              <a:rPr lang="en-US" dirty="0" err="1" smtClean="0">
+                <a:latin typeface="Times New Roman"/>
+                <a:cs typeface="Times New Roman"/>
+              </a:rPr>
+              <a:t>para</a:t>
+            </a:r>
+            <a:r>
+              <a:rPr lang="en-US" dirty="0" smtClean="0">
+                <a:latin typeface="Times New Roman"/>
+                <a:cs typeface="Times New Roman"/>
+              </a:rPr>
+              <a:t> </a:t>
+            </a:r>
+            <a:r>
+              <a:rPr lang="en-US" dirty="0" err="1" smtClean="0">
+                <a:latin typeface="Times New Roman"/>
+                <a:cs typeface="Times New Roman"/>
+              </a:rPr>
+              <a:t>acompanhar</a:t>
+            </a:r>
+            <a:r>
+              <a:rPr lang="en-US" dirty="0" smtClean="0">
+                <a:latin typeface="Times New Roman"/>
+                <a:cs typeface="Times New Roman"/>
+              </a:rPr>
+              <a:t> a aula </a:t>
+            </a:r>
+            <a:r>
+              <a:rPr lang="en-US" dirty="0" err="1" smtClean="0">
+                <a:latin typeface="Times New Roman"/>
+                <a:cs typeface="Times New Roman"/>
+              </a:rPr>
+              <a:t>conforme</a:t>
+            </a:r>
+            <a:r>
+              <a:rPr lang="en-US" dirty="0" smtClean="0">
+                <a:latin typeface="Times New Roman"/>
+                <a:cs typeface="Times New Roman"/>
+              </a:rPr>
+              <a:t> </a:t>
+            </a:r>
+            <a:r>
+              <a:rPr lang="en-US" dirty="0" err="1" smtClean="0">
+                <a:latin typeface="Times New Roman"/>
+                <a:cs typeface="Times New Roman"/>
+              </a:rPr>
+              <a:t>uma</a:t>
+            </a:r>
+            <a:r>
+              <a:rPr lang="en-US" dirty="0" smtClean="0">
+                <a:latin typeface="Times New Roman"/>
+                <a:cs typeface="Times New Roman"/>
+              </a:rPr>
+              <a:t> </a:t>
+            </a:r>
+            <a:r>
+              <a:rPr lang="en-US" dirty="0" err="1" smtClean="0">
+                <a:latin typeface="Times New Roman"/>
+                <a:cs typeface="Times New Roman"/>
+              </a:rPr>
+              <a:t>apresentação</a:t>
+            </a:r>
+            <a:r>
+              <a:rPr lang="en-US" dirty="0" smtClean="0">
+                <a:latin typeface="Times New Roman"/>
+                <a:cs typeface="Times New Roman"/>
+              </a:rPr>
+              <a:t> de slides;</a:t>
+            </a:r>
+          </a:p>
+          <a:p>
+            <a:pPr marL="800100" lvl="1" indent="-342900">
+              <a:lnSpc>
+                <a:spcPct val="200000"/>
+              </a:lnSpc>
+              <a:buFont typeface="+mj-lt"/>
+              <a:buAutoNum type="alphaLcPeriod"/>
+            </a:pPr>
+            <a:r>
+              <a:rPr lang="en-US" dirty="0" smtClean="0">
+                <a:latin typeface="Times New Roman"/>
+                <a:cs typeface="Times New Roman"/>
+              </a:rPr>
+              <a:t>.</a:t>
+            </a:r>
+            <a:r>
+              <a:rPr lang="en-US" i="1" dirty="0" err="1">
                 <a:latin typeface="Times New Roman"/>
                 <a:cs typeface="Times New Roman"/>
               </a:rPr>
               <a:t>R</a:t>
             </a:r>
             <a:r>
-              <a:rPr lang="en-US" sz="2400" b="1" u="sng" dirty="0" smtClean="0">
-                <a:latin typeface="Times New Roman"/>
-                <a:cs typeface="Times New Roman"/>
-              </a:rPr>
-              <a:t> </a:t>
-            </a:r>
-            <a:endParaRPr lang="en-US" sz="2400" b="1" u="sng" dirty="0" smtClean="0">
+              <a:rPr lang="en-US" i="1" dirty="0" err="1" smtClean="0">
+                <a:latin typeface="Times New Roman"/>
+                <a:cs typeface="Times New Roman"/>
+              </a:rPr>
+              <a:t>md</a:t>
+            </a:r>
+            <a:r>
+              <a:rPr lang="en-US" dirty="0" smtClean="0">
+                <a:latin typeface="Times New Roman"/>
+                <a:cs typeface="Times New Roman"/>
+              </a:rPr>
+              <a:t>: </a:t>
+            </a:r>
+            <a:r>
+              <a:rPr lang="en-US" dirty="0" err="1" smtClean="0">
+                <a:latin typeface="Times New Roman"/>
+                <a:cs typeface="Times New Roman"/>
+              </a:rPr>
+              <a:t>para</a:t>
+            </a:r>
+            <a:r>
+              <a:rPr lang="en-US" dirty="0" smtClean="0">
+                <a:latin typeface="Times New Roman"/>
+                <a:cs typeface="Times New Roman"/>
+              </a:rPr>
+              <a:t> </a:t>
+            </a:r>
+            <a:r>
+              <a:rPr lang="en-US" dirty="0" err="1" smtClean="0">
+                <a:latin typeface="Times New Roman"/>
+                <a:cs typeface="Times New Roman"/>
+              </a:rPr>
+              <a:t>acompanhar</a:t>
+            </a:r>
+            <a:r>
+              <a:rPr lang="en-US" dirty="0" smtClean="0">
+                <a:latin typeface="Times New Roman"/>
+                <a:cs typeface="Times New Roman"/>
+              </a:rPr>
+              <a:t> a aula </a:t>
+            </a:r>
+            <a:r>
+              <a:rPr lang="en-US" dirty="0" err="1" smtClean="0">
+                <a:latin typeface="Times New Roman"/>
+                <a:cs typeface="Times New Roman"/>
+              </a:rPr>
+              <a:t>conforme</a:t>
+            </a:r>
+            <a:r>
+              <a:rPr lang="en-US" dirty="0" smtClean="0">
+                <a:latin typeface="Times New Roman"/>
+                <a:cs typeface="Times New Roman"/>
+              </a:rPr>
+              <a:t> um script do R.</a:t>
+            </a:r>
+            <a:endParaRPr lang="en-US" dirty="0">
               <a:latin typeface="Times New Roman"/>
               <a:cs typeface="Times New Roman"/>
             </a:endParaRPr>
@@ -9295,10 +9175,6 @@
               </a:rPr>
               <a:t>)</a:t>
             </a:r>
-            <a:endParaRPr lang="en-US" dirty="0" smtClean="0">
-              <a:latin typeface="Times New Roman"/>
-              <a:cs typeface="Times New Roman"/>
-            </a:endParaRPr>
           </a:p>
           <a:p>
             <a:pPr marL="285750" indent="-285750">
@@ -9313,41 +9189,23 @@
                 <a:latin typeface="Times New Roman"/>
                 <a:cs typeface="Times New Roman"/>
               </a:rPr>
-              <a:t>Nicholas </a:t>
+              <a:t>Nicholas Marino (</a:t>
             </a:r>
             <a:r>
               <a:rPr lang="en-US" dirty="0" smtClean="0">
                 <a:latin typeface="Times New Roman"/>
                 <a:cs typeface="Times New Roman"/>
-              </a:rPr>
-              <a:t>Marino </a:t>
+                <a:hlinkClick r:id="rId3"/>
+              </a:rPr>
+              <a:t>nac.marino@gmail.com</a:t>
             </a:r>
             <a:r>
               <a:rPr lang="en-US" dirty="0" smtClean="0">
                 <a:latin typeface="Times New Roman"/>
                 <a:cs typeface="Times New Roman"/>
               </a:rPr>
-              <a:t>(</a:t>
-            </a:r>
-            <a:r>
-              <a:rPr lang="en-US" dirty="0" smtClean="0">
-                <a:latin typeface="Times New Roman"/>
-                <a:cs typeface="Times New Roman"/>
-                <a:hlinkClick r:id="rId3"/>
-              </a:rPr>
-              <a:t>nac.marino@gmail.com</a:t>
-            </a:r>
-            <a:r>
-              <a:rPr lang="en-US" dirty="0" smtClean="0">
-                <a:latin typeface="Times New Roman"/>
-                <a:cs typeface="Times New Roman"/>
-              </a:rPr>
               <a:t>)</a:t>
             </a:r>
-            <a:endParaRPr lang="en-US" dirty="0" smtClean="0">
-              <a:latin typeface="Times New Roman"/>
-              <a:cs typeface="Times New Roman"/>
-            </a:endParaRPr>
           </a:p>
         </p:txBody>
       </p:sp>
@@ -9355,6 +9213,680 @@
     <p:extLst>
       <p:ext uri="{BB962C8B-B14F-4D97-AF65-F5344CB8AC3E}">
         <p14:creationId xmlns:p14="http://schemas.microsoft.com/office/powerpoint/2010/main" val="3885122954"/>
+      </p:ext>
+    </p:extLst>
+  </p:cSld>
+  <p:clrMapOvr>
+    <a:masterClrMapping/>
+  </p:clrMapOvr>
+</p:sld>
+</file>
+
+<file path=ppt/slides/slide20.xml><?xml version="1.0" encoding="utf-8"?>
+<p:sld xmlns:a="http://schemas.openxmlformats.org/drawingml/2006/main" xmlns:r="http://schemas.openxmlformats.org/officeDocument/2006/relationships" xmlns:p="http://schemas.openxmlformats.org/presentationml/2006/main">
+  <p:cSld>
+    <p:spTree>
+      <p:nvGrpSpPr>
+        <p:cNvPr id="1" name=""/>
+        <p:cNvGrpSpPr/>
+        <p:nvPr/>
+      </p:nvGrpSpPr>
+      <p:grpSpPr>
+        <a:xfrm>
+          <a:off x="0" y="0"/>
+          <a:ext cx="0" cy="0"/>
+          <a:chOff x="0" y="0"/>
+          <a:chExt cx="0" cy="0"/>
+        </a:xfrm>
+      </p:grpSpPr>
+      <p:sp>
+        <p:nvSpPr>
+          <p:cNvPr id="3" name="CaixaDeTexto 3"/>
+          <p:cNvSpPr txBox="1"/>
+          <p:nvPr/>
+        </p:nvSpPr>
+        <p:spPr>
+          <a:xfrm>
+            <a:off x="639004" y="530232"/>
+            <a:ext cx="1301157" cy="523220"/>
+          </a:xfrm>
+          <a:prstGeom prst="rect">
+            <a:avLst/>
+          </a:prstGeom>
+          <a:noFill/>
+        </p:spPr>
+        <p:txBody>
+          <a:bodyPr wrap="none" rtlCol="0">
+            <a:spAutoFit/>
+          </a:bodyPr>
+          <a:lstStyle/>
+          <a:p>
+            <a:r>
+              <a:rPr lang="pt-BR" sz="2800" b="1" dirty="0" smtClean="0">
+                <a:solidFill>
+                  <a:srgbClr val="004080"/>
+                </a:solidFill>
+                <a:latin typeface="Times New Roman"/>
+                <a:cs typeface="Times New Roman"/>
+              </a:rPr>
+              <a:t>Prática</a:t>
+            </a:r>
+            <a:endParaRPr lang="pt-BR" sz="2800" b="1" dirty="0">
+              <a:solidFill>
+                <a:srgbClr val="004080"/>
+              </a:solidFill>
+              <a:latin typeface="Times New Roman"/>
+              <a:cs typeface="Times New Roman"/>
+            </a:endParaRPr>
+          </a:p>
+        </p:txBody>
+      </p:sp>
+      <p:sp>
+        <p:nvSpPr>
+          <p:cNvPr id="4" name="TextBox 3"/>
+          <p:cNvSpPr txBox="1"/>
+          <p:nvPr/>
+        </p:nvSpPr>
+        <p:spPr>
+          <a:xfrm>
+            <a:off x="635252" y="1599495"/>
+            <a:ext cx="8328202" cy="3370154"/>
+          </a:xfrm>
+          <a:prstGeom prst="rect">
+            <a:avLst/>
+          </a:prstGeom>
+          <a:noFill/>
+        </p:spPr>
+        <p:txBody>
+          <a:bodyPr wrap="square" rtlCol="0">
+            <a:spAutoFit/>
+          </a:bodyPr>
+          <a:lstStyle/>
+          <a:p>
+            <a:pPr marL="285750" indent="-285750">
+              <a:lnSpc>
+                <a:spcPct val="200000"/>
+              </a:lnSpc>
+              <a:buFont typeface="Arial"/>
+              <a:buChar char="•"/>
+            </a:pPr>
+            <a:r>
+              <a:rPr lang="en-US" dirty="0" err="1" smtClean="0">
+                <a:latin typeface="Times New Roman"/>
+                <a:cs typeface="Times New Roman"/>
+              </a:rPr>
+              <a:t>Vamos</a:t>
+            </a:r>
+            <a:r>
+              <a:rPr lang="en-US" dirty="0" smtClean="0">
+                <a:latin typeface="Times New Roman"/>
+                <a:cs typeface="Times New Roman"/>
+              </a:rPr>
+              <a:t> </a:t>
+            </a:r>
+            <a:r>
+              <a:rPr lang="en-US" dirty="0" err="1" smtClean="0">
+                <a:latin typeface="Times New Roman"/>
+                <a:cs typeface="Times New Roman"/>
+              </a:rPr>
+              <a:t>utilizar</a:t>
+            </a:r>
+            <a:r>
+              <a:rPr lang="en-US" dirty="0" smtClean="0">
+                <a:latin typeface="Times New Roman"/>
+                <a:cs typeface="Times New Roman"/>
+              </a:rPr>
+              <a:t> o R </a:t>
+            </a:r>
+            <a:r>
+              <a:rPr lang="en-US" dirty="0" err="1" smtClean="0">
+                <a:latin typeface="Times New Roman"/>
+                <a:cs typeface="Times New Roman"/>
+              </a:rPr>
+              <a:t>para</a:t>
+            </a:r>
+            <a:r>
+              <a:rPr lang="en-US" dirty="0" smtClean="0">
+                <a:latin typeface="Times New Roman"/>
+                <a:cs typeface="Times New Roman"/>
+              </a:rPr>
+              <a:t> </a:t>
+            </a:r>
+            <a:r>
+              <a:rPr lang="en-US" dirty="0" err="1" smtClean="0">
+                <a:latin typeface="Times New Roman"/>
+                <a:cs typeface="Times New Roman"/>
+              </a:rPr>
+              <a:t>fazer</a:t>
+            </a:r>
+            <a:r>
+              <a:rPr lang="en-US" dirty="0" smtClean="0">
+                <a:latin typeface="Times New Roman"/>
+                <a:cs typeface="Times New Roman"/>
+              </a:rPr>
+              <a:t> </a:t>
+            </a:r>
+            <a:r>
+              <a:rPr lang="en-US" dirty="0" err="1" smtClean="0">
+                <a:latin typeface="Times New Roman"/>
+                <a:cs typeface="Times New Roman"/>
+              </a:rPr>
+              <a:t>praticamente</a:t>
+            </a:r>
+            <a:r>
+              <a:rPr lang="en-US" dirty="0" smtClean="0">
+                <a:latin typeface="Times New Roman"/>
+                <a:cs typeface="Times New Roman"/>
+              </a:rPr>
+              <a:t> </a:t>
+            </a:r>
+            <a:r>
+              <a:rPr lang="en-US" dirty="0" err="1" smtClean="0">
+                <a:latin typeface="Times New Roman"/>
+                <a:cs typeface="Times New Roman"/>
+              </a:rPr>
+              <a:t>tudo</a:t>
+            </a:r>
+            <a:r>
+              <a:rPr lang="en-US" dirty="0" smtClean="0">
+                <a:latin typeface="Times New Roman"/>
+                <a:cs typeface="Times New Roman"/>
+              </a:rPr>
+              <a:t> </a:t>
+            </a:r>
+            <a:r>
+              <a:rPr lang="en-US" dirty="0" err="1" smtClean="0">
+                <a:latin typeface="Times New Roman"/>
+                <a:cs typeface="Times New Roman"/>
+              </a:rPr>
+              <a:t>nesta</a:t>
+            </a:r>
+            <a:r>
+              <a:rPr lang="en-US" dirty="0" smtClean="0">
+                <a:latin typeface="Times New Roman"/>
+                <a:cs typeface="Times New Roman"/>
+              </a:rPr>
+              <a:t> </a:t>
+            </a:r>
+            <a:r>
+              <a:rPr lang="en-US" dirty="0" err="1" smtClean="0">
+                <a:latin typeface="Times New Roman"/>
+                <a:cs typeface="Times New Roman"/>
+              </a:rPr>
+              <a:t>disciplina</a:t>
+            </a:r>
+            <a:r>
+              <a:rPr lang="en-US" dirty="0" smtClean="0">
+                <a:latin typeface="Times New Roman"/>
+                <a:cs typeface="Times New Roman"/>
+              </a:rPr>
+              <a:t>;</a:t>
+            </a:r>
+          </a:p>
+          <a:p>
+            <a:pPr marL="285750" indent="-285750">
+              <a:lnSpc>
+                <a:spcPct val="200000"/>
+              </a:lnSpc>
+              <a:buFont typeface="Arial"/>
+              <a:buChar char="•"/>
+            </a:pPr>
+            <a:r>
+              <a:rPr lang="en-US" dirty="0" smtClean="0">
+                <a:latin typeface="Times New Roman"/>
+                <a:cs typeface="Times New Roman"/>
+              </a:rPr>
+              <a:t>O </a:t>
+            </a:r>
+            <a:r>
+              <a:rPr lang="en-US" dirty="0" err="1" smtClean="0">
+                <a:latin typeface="Times New Roman"/>
+                <a:cs typeface="Times New Roman"/>
+              </a:rPr>
+              <a:t>pacote</a:t>
+            </a:r>
+            <a:r>
+              <a:rPr lang="en-US" dirty="0" smtClean="0">
+                <a:latin typeface="Times New Roman"/>
+                <a:cs typeface="Times New Roman"/>
+              </a:rPr>
+              <a:t> </a:t>
+            </a:r>
+            <a:r>
+              <a:rPr lang="en-US" i="1" dirty="0" err="1" smtClean="0">
+                <a:latin typeface="Times New Roman"/>
+                <a:cs typeface="Times New Roman"/>
+              </a:rPr>
+              <a:t>metafor</a:t>
+            </a:r>
+            <a:r>
+              <a:rPr lang="en-US" dirty="0" smtClean="0">
+                <a:latin typeface="Times New Roman"/>
+                <a:cs typeface="Times New Roman"/>
+              </a:rPr>
+              <a:t> </a:t>
+            </a:r>
+            <a:r>
+              <a:rPr lang="en-US" dirty="0" err="1" smtClean="0">
+                <a:latin typeface="Times New Roman"/>
+                <a:cs typeface="Times New Roman"/>
+              </a:rPr>
+              <a:t>oferece</a:t>
+            </a:r>
+            <a:r>
+              <a:rPr lang="en-US" dirty="0" smtClean="0">
+                <a:latin typeface="Times New Roman"/>
+                <a:cs typeface="Times New Roman"/>
+              </a:rPr>
+              <a:t> </a:t>
+            </a:r>
+            <a:r>
+              <a:rPr lang="en-US" dirty="0" err="1" smtClean="0">
+                <a:latin typeface="Times New Roman"/>
+                <a:cs typeface="Times New Roman"/>
+              </a:rPr>
+              <a:t>praticamente</a:t>
+            </a:r>
+            <a:r>
+              <a:rPr lang="en-US" dirty="0" smtClean="0">
+                <a:latin typeface="Times New Roman"/>
+                <a:cs typeface="Times New Roman"/>
+              </a:rPr>
+              <a:t> </a:t>
+            </a:r>
+            <a:r>
+              <a:rPr lang="en-US" dirty="0" err="1" smtClean="0">
+                <a:latin typeface="Times New Roman"/>
+                <a:cs typeface="Times New Roman"/>
+              </a:rPr>
+              <a:t>todas</a:t>
+            </a:r>
+            <a:r>
+              <a:rPr lang="en-US" dirty="0" smtClean="0">
+                <a:latin typeface="Times New Roman"/>
+                <a:cs typeface="Times New Roman"/>
+              </a:rPr>
+              <a:t> as </a:t>
+            </a:r>
+            <a:r>
+              <a:rPr lang="en-US" dirty="0" err="1" smtClean="0">
+                <a:latin typeface="Times New Roman"/>
+                <a:cs typeface="Times New Roman"/>
+              </a:rPr>
+              <a:t>funcionalidades</a:t>
+            </a:r>
+            <a:r>
+              <a:rPr lang="en-US" dirty="0" smtClean="0">
+                <a:latin typeface="Times New Roman"/>
+                <a:cs typeface="Times New Roman"/>
+              </a:rPr>
+              <a:t> </a:t>
+            </a:r>
+            <a:r>
+              <a:rPr lang="en-US" dirty="0" err="1" smtClean="0">
+                <a:latin typeface="Times New Roman"/>
+                <a:cs typeface="Times New Roman"/>
+              </a:rPr>
+              <a:t>que</a:t>
+            </a:r>
+            <a:r>
+              <a:rPr lang="en-US" dirty="0" smtClean="0">
+                <a:latin typeface="Times New Roman"/>
+                <a:cs typeface="Times New Roman"/>
+              </a:rPr>
+              <a:t> </a:t>
+            </a:r>
+            <a:r>
+              <a:rPr lang="en-US" dirty="0" err="1" smtClean="0">
+                <a:latin typeface="Times New Roman"/>
+                <a:cs typeface="Times New Roman"/>
+              </a:rPr>
+              <a:t>você</a:t>
+            </a:r>
+            <a:r>
+              <a:rPr lang="en-US" dirty="0" smtClean="0">
+                <a:latin typeface="Times New Roman"/>
+                <a:cs typeface="Times New Roman"/>
+              </a:rPr>
+              <a:t> </a:t>
+            </a:r>
+            <a:r>
+              <a:rPr lang="en-US" dirty="0" err="1" smtClean="0">
+                <a:latin typeface="Times New Roman"/>
+                <a:cs typeface="Times New Roman"/>
+              </a:rPr>
+              <a:t>precisa</a:t>
+            </a:r>
+            <a:r>
+              <a:rPr lang="en-US" dirty="0" smtClean="0">
+                <a:latin typeface="Times New Roman"/>
+                <a:cs typeface="Times New Roman"/>
+              </a:rPr>
+              <a:t> </a:t>
+            </a:r>
+            <a:r>
+              <a:rPr lang="en-US" dirty="0" err="1" smtClean="0">
+                <a:latin typeface="Times New Roman"/>
+                <a:cs typeface="Times New Roman"/>
+              </a:rPr>
+              <a:t>para</a:t>
+            </a:r>
+            <a:r>
+              <a:rPr lang="en-US" dirty="0" smtClean="0">
+                <a:latin typeface="Times New Roman"/>
+                <a:cs typeface="Times New Roman"/>
+              </a:rPr>
+              <a:t> </a:t>
+            </a:r>
+            <a:r>
+              <a:rPr lang="en-US" dirty="0" err="1" smtClean="0">
+                <a:latin typeface="Times New Roman"/>
+                <a:cs typeface="Times New Roman"/>
+              </a:rPr>
+              <a:t>uma</a:t>
+            </a:r>
+            <a:r>
+              <a:rPr lang="en-US" dirty="0" smtClean="0">
+                <a:latin typeface="Times New Roman"/>
+                <a:cs typeface="Times New Roman"/>
+              </a:rPr>
+              <a:t> meta-</a:t>
+            </a:r>
+            <a:r>
+              <a:rPr lang="en-US" dirty="0" err="1" smtClean="0">
+                <a:latin typeface="Times New Roman"/>
+                <a:cs typeface="Times New Roman"/>
+              </a:rPr>
+              <a:t>análise</a:t>
+            </a:r>
+            <a:r>
+              <a:rPr lang="en-US" dirty="0" smtClean="0">
+                <a:latin typeface="Times New Roman"/>
+                <a:cs typeface="Times New Roman"/>
+              </a:rPr>
+              <a:t>;</a:t>
+            </a:r>
+          </a:p>
+          <a:p>
+            <a:pPr marL="285750" indent="-285750">
+              <a:lnSpc>
+                <a:spcPct val="200000"/>
+              </a:lnSpc>
+              <a:buFont typeface="Arial"/>
+              <a:buChar char="•"/>
+            </a:pPr>
+            <a:r>
+              <a:rPr lang="en-US" dirty="0" err="1" smtClean="0">
+                <a:latin typeface="Times New Roman"/>
+                <a:cs typeface="Times New Roman"/>
+              </a:rPr>
+              <a:t>Vamos</a:t>
+            </a:r>
+            <a:r>
+              <a:rPr lang="en-US" dirty="0" smtClean="0">
+                <a:latin typeface="Times New Roman"/>
+                <a:cs typeface="Times New Roman"/>
+              </a:rPr>
+              <a:t> </a:t>
+            </a:r>
+            <a:r>
+              <a:rPr lang="en-US" dirty="0" err="1" smtClean="0">
+                <a:latin typeface="Times New Roman"/>
+                <a:cs typeface="Times New Roman"/>
+              </a:rPr>
+              <a:t>tentar</a:t>
+            </a:r>
+            <a:r>
+              <a:rPr lang="en-US" dirty="0" smtClean="0">
+                <a:latin typeface="Times New Roman"/>
+                <a:cs typeface="Times New Roman"/>
+              </a:rPr>
+              <a:t> </a:t>
+            </a:r>
+            <a:r>
+              <a:rPr lang="en-US" dirty="0" err="1" smtClean="0">
+                <a:latin typeface="Times New Roman"/>
+                <a:cs typeface="Times New Roman"/>
+              </a:rPr>
+              <a:t>mostrar</a:t>
+            </a:r>
+            <a:r>
+              <a:rPr lang="en-US" dirty="0" smtClean="0">
+                <a:latin typeface="Times New Roman"/>
+                <a:cs typeface="Times New Roman"/>
+              </a:rPr>
+              <a:t> </a:t>
+            </a:r>
+            <a:r>
+              <a:rPr lang="en-US" dirty="0" err="1" smtClean="0">
+                <a:latin typeface="Times New Roman"/>
+                <a:cs typeface="Times New Roman"/>
+              </a:rPr>
+              <a:t>como</a:t>
+            </a:r>
+            <a:r>
+              <a:rPr lang="en-US" dirty="0" smtClean="0">
+                <a:latin typeface="Times New Roman"/>
+                <a:cs typeface="Times New Roman"/>
+              </a:rPr>
+              <a:t> </a:t>
+            </a:r>
+            <a:r>
+              <a:rPr lang="en-US" dirty="0" err="1" smtClean="0">
+                <a:latin typeface="Times New Roman"/>
+                <a:cs typeface="Times New Roman"/>
+              </a:rPr>
+              <a:t>fazer</a:t>
+            </a:r>
+            <a:r>
+              <a:rPr lang="en-US" dirty="0" smtClean="0">
+                <a:latin typeface="Times New Roman"/>
+                <a:cs typeface="Times New Roman"/>
+              </a:rPr>
+              <a:t> </a:t>
+            </a:r>
+            <a:r>
+              <a:rPr lang="en-US" dirty="0" err="1" smtClean="0">
+                <a:latin typeface="Times New Roman"/>
+                <a:cs typeface="Times New Roman"/>
+              </a:rPr>
+              <a:t>algumas</a:t>
+            </a:r>
+            <a:r>
+              <a:rPr lang="en-US" dirty="0" smtClean="0">
+                <a:latin typeface="Times New Roman"/>
+                <a:cs typeface="Times New Roman"/>
+              </a:rPr>
+              <a:t> </a:t>
+            </a:r>
+            <a:r>
+              <a:rPr lang="en-US" dirty="0" err="1" smtClean="0">
+                <a:latin typeface="Times New Roman"/>
+                <a:cs typeface="Times New Roman"/>
+              </a:rPr>
+              <a:t>etapas</a:t>
+            </a:r>
+            <a:r>
+              <a:rPr lang="en-US" dirty="0" smtClean="0">
+                <a:latin typeface="Times New Roman"/>
+                <a:cs typeface="Times New Roman"/>
+              </a:rPr>
+              <a:t> da meta-</a:t>
+            </a:r>
+            <a:r>
+              <a:rPr lang="en-US" dirty="0" err="1" smtClean="0">
+                <a:latin typeface="Times New Roman"/>
+                <a:cs typeface="Times New Roman"/>
+              </a:rPr>
+              <a:t>análise</a:t>
+            </a:r>
+            <a:r>
+              <a:rPr lang="en-US" dirty="0" smtClean="0">
+                <a:latin typeface="Times New Roman"/>
+                <a:cs typeface="Times New Roman"/>
+              </a:rPr>
+              <a:t> </a:t>
+            </a:r>
+            <a:r>
+              <a:rPr lang="en-US" dirty="0" err="1" smtClean="0">
+                <a:latin typeface="Times New Roman"/>
+                <a:cs typeface="Times New Roman"/>
+              </a:rPr>
+              <a:t>usando</a:t>
+            </a:r>
+            <a:r>
+              <a:rPr lang="en-US" dirty="0" smtClean="0">
+                <a:latin typeface="Times New Roman"/>
+                <a:cs typeface="Times New Roman"/>
+              </a:rPr>
+              <a:t> o R e o </a:t>
+            </a:r>
+            <a:r>
+              <a:rPr lang="en-US" i="1" dirty="0" err="1" smtClean="0">
+                <a:latin typeface="Times New Roman"/>
+                <a:cs typeface="Times New Roman"/>
+              </a:rPr>
+              <a:t>metafor</a:t>
+            </a:r>
+            <a:r>
+              <a:rPr lang="en-US" dirty="0" smtClean="0">
+                <a:latin typeface="Times New Roman"/>
+                <a:cs typeface="Times New Roman"/>
+              </a:rPr>
+              <a:t>;</a:t>
+            </a:r>
+            <a:endParaRPr lang="en-US" dirty="0">
+              <a:latin typeface="Times New Roman"/>
+              <a:cs typeface="Times New Roman"/>
+            </a:endParaRPr>
+          </a:p>
+          <a:p>
+            <a:pPr marL="285750" indent="-285750">
+              <a:lnSpc>
+                <a:spcPct val="200000"/>
+              </a:lnSpc>
+              <a:buFont typeface="Arial"/>
+              <a:buChar char="•"/>
+            </a:pPr>
+            <a:r>
+              <a:rPr lang="en-US" dirty="0" err="1">
+                <a:latin typeface="Times New Roman"/>
+                <a:cs typeface="Times New Roman"/>
+              </a:rPr>
+              <a:t>Sinta</a:t>
+            </a:r>
+            <a:r>
+              <a:rPr lang="en-US" dirty="0">
+                <a:latin typeface="Times New Roman"/>
+                <a:cs typeface="Times New Roman"/>
+              </a:rPr>
+              <a:t>-se </a:t>
+            </a:r>
+            <a:r>
+              <a:rPr lang="en-US" dirty="0" err="1">
+                <a:latin typeface="Times New Roman"/>
+                <a:cs typeface="Times New Roman"/>
+              </a:rPr>
+              <a:t>livre</a:t>
+            </a:r>
+            <a:r>
+              <a:rPr lang="en-US" dirty="0">
+                <a:latin typeface="Times New Roman"/>
+                <a:cs typeface="Times New Roman"/>
+              </a:rPr>
+              <a:t> </a:t>
+            </a:r>
+            <a:r>
+              <a:rPr lang="en-US" dirty="0" err="1">
+                <a:latin typeface="Times New Roman"/>
+                <a:cs typeface="Times New Roman"/>
+              </a:rPr>
+              <a:t>para</a:t>
+            </a:r>
+            <a:r>
+              <a:rPr lang="en-US" dirty="0">
+                <a:latin typeface="Times New Roman"/>
+                <a:cs typeface="Times New Roman"/>
+              </a:rPr>
+              <a:t> </a:t>
+            </a:r>
+            <a:r>
+              <a:rPr lang="en-US" dirty="0" err="1">
+                <a:latin typeface="Times New Roman"/>
+                <a:cs typeface="Times New Roman"/>
+              </a:rPr>
+              <a:t>trazer</a:t>
+            </a:r>
+            <a:r>
+              <a:rPr lang="en-US" dirty="0">
+                <a:latin typeface="Times New Roman"/>
+                <a:cs typeface="Times New Roman"/>
+              </a:rPr>
+              <a:t> </a:t>
+            </a:r>
+            <a:r>
+              <a:rPr lang="en-US" dirty="0" err="1">
+                <a:latin typeface="Times New Roman"/>
+                <a:cs typeface="Times New Roman"/>
+              </a:rPr>
+              <a:t>ou</a:t>
+            </a:r>
+            <a:r>
+              <a:rPr lang="en-US" dirty="0">
+                <a:latin typeface="Times New Roman"/>
+                <a:cs typeface="Times New Roman"/>
+              </a:rPr>
+              <a:t> </a:t>
+            </a:r>
+            <a:r>
+              <a:rPr lang="en-US" dirty="0" err="1">
+                <a:latin typeface="Times New Roman"/>
+                <a:cs typeface="Times New Roman"/>
+              </a:rPr>
+              <a:t>não</a:t>
+            </a:r>
+            <a:r>
+              <a:rPr lang="en-US" dirty="0">
+                <a:latin typeface="Times New Roman"/>
+                <a:cs typeface="Times New Roman"/>
+              </a:rPr>
+              <a:t> o </a:t>
+            </a:r>
+            <a:r>
+              <a:rPr lang="en-US" dirty="0" err="1">
+                <a:latin typeface="Times New Roman"/>
+                <a:cs typeface="Times New Roman"/>
+              </a:rPr>
+              <a:t>seu</a:t>
+            </a:r>
+            <a:r>
+              <a:rPr lang="en-US" dirty="0">
+                <a:latin typeface="Times New Roman"/>
+                <a:cs typeface="Times New Roman"/>
+              </a:rPr>
+              <a:t> </a:t>
+            </a:r>
+            <a:r>
+              <a:rPr lang="en-US" dirty="0" err="1" smtClean="0">
+                <a:latin typeface="Times New Roman"/>
+                <a:cs typeface="Times New Roman"/>
+              </a:rPr>
+              <a:t>computador</a:t>
+            </a:r>
+            <a:r>
+              <a:rPr lang="en-US" dirty="0">
+                <a:latin typeface="Times New Roman"/>
+                <a:cs typeface="Times New Roman"/>
+              </a:rPr>
+              <a:t>.</a:t>
+            </a:r>
+          </a:p>
+        </p:txBody>
+      </p:sp>
+    </p:spTree>
+    <p:extLst>
+      <p:ext uri="{BB962C8B-B14F-4D97-AF65-F5344CB8AC3E}">
+        <p14:creationId xmlns:p14="http://schemas.microsoft.com/office/powerpoint/2010/main" val="2727384845"/>
       </p:ext>
     </p:extLst>
   </p:cSld>
@@ -9411,27 +9943,7 @@
                 <a:latin typeface="Times New Roman"/>
                 <a:cs typeface="Times New Roman"/>
               </a:rPr>
-              <a:t>Quem </a:t>
-            </a:r>
-            <a:r>
-              <a:rPr lang="pt-BR" sz="2800" b="1" dirty="0" smtClean="0">
-                <a:solidFill>
-                  <a:srgbClr val="004080"/>
-                </a:solidFill>
-                <a:latin typeface="Times New Roman"/>
-                <a:cs typeface="Times New Roman"/>
-              </a:rPr>
-              <a:t>s</a:t>
-            </a:r>
-            <a:r>
-              <a:rPr lang="pt-BR" sz="2800" b="1" dirty="0" smtClean="0">
-                <a:solidFill>
-                  <a:srgbClr val="004080"/>
-                </a:solidFill>
-                <a:latin typeface="Times New Roman"/>
-                <a:cs typeface="Times New Roman"/>
-              </a:rPr>
-              <a:t>ão vocês?</a:t>
+              <a:t>Quem são vocês?</a:t>
             </a:r>
             <a:endParaRPr lang="pt-BR" sz="2800" b="1" dirty="0">
               <a:solidFill>
@@ -9547,28 +10059,7 @@
                 <a:latin typeface="Times New Roman"/>
                 <a:cs typeface="Times New Roman"/>
               </a:rPr>
-              <a:t>Apresentar as ferramentas e os m</a:t>
-            </a:r>
-            <a:r>
-              <a:rPr lang="pt-BR" sz="2400" b="1" dirty="0" smtClean="0">
-                <a:latin typeface="Times New Roman"/>
-                <a:cs typeface="Times New Roman"/>
-              </a:rPr>
-              <a:t>étodos qualitativos e quantitativos envolvidos em um processo </a:t>
-            </a:r>
-            <a:r>
-              <a:rPr lang="pt-BR" sz="2400" b="1" dirty="0" smtClean="0">
-                <a:latin typeface="Times New Roman"/>
-                <a:cs typeface="Times New Roman"/>
-              </a:rPr>
-              <a:t>formal </a:t>
-            </a:r>
-            <a:r>
-              <a:rPr lang="pt-BR" sz="2400" b="1" dirty="0" smtClean="0">
-                <a:latin typeface="Times New Roman"/>
-                <a:cs typeface="Times New Roman"/>
-              </a:rPr>
-              <a:t>de síntese do conhecimento científico</a:t>
+              <a:t>Apresentar as ferramentas e os métodos qualitativos e quantitativos envolvidos em um processo formal de síntese do conhecimento científico</a:t>
             </a:r>
             <a:endParaRPr lang="pt-BR" sz="2400" b="1" dirty="0">
               <a:latin typeface="Times New Roman"/>
@@ -10098,10 +10589,6 @@
               </a:rPr>
               <a:t>.</a:t>
             </a:r>
-            <a:endParaRPr lang="en-US" dirty="0" smtClean="0">
-              <a:latin typeface="Times New Roman"/>
-              <a:cs typeface="Times New Roman"/>
-            </a:endParaRPr>
           </a:p>
           <a:p>
             <a:pPr marL="285750" indent="-285750">
@@ -10216,10 +10703,6 @@
               </a:rPr>
               <a:t>).</a:t>
             </a:r>
-            <a:endParaRPr lang="en-US" dirty="0" smtClean="0">
-              <a:latin typeface="Times New Roman"/>
-              <a:cs typeface="Times New Roman"/>
-            </a:endParaRPr>
           </a:p>
         </p:txBody>
       </p:sp>
@@ -10376,14 +10859,7 @@
                 <a:latin typeface="Times New Roman"/>
                 <a:cs typeface="Times New Roman"/>
               </a:rPr>
-              <a:t>Introduç</a:t>
-            </a:r>
-            <a:r>
-              <a:rPr lang="en-US" b="1" dirty="0" err="1" smtClean="0">
-                <a:latin typeface="Times New Roman"/>
-                <a:cs typeface="Times New Roman"/>
-              </a:rPr>
-              <a:t>ão</a:t>
+              <a:t>Introdução</a:t>
             </a:r>
             <a:endParaRPr lang="en-US" b="1" dirty="0" smtClean="0">
               <a:latin typeface="Times New Roman"/>
@@ -10403,14 +10879,7 @@
                 <a:latin typeface="Times New Roman"/>
                 <a:cs typeface="Times New Roman"/>
               </a:rPr>
-              <a:t>Hist</a:t>
-            </a:r>
-            <a:r>
-              <a:rPr lang="en-US" dirty="0" err="1" smtClean="0">
-                <a:latin typeface="Times New Roman"/>
-                <a:cs typeface="Times New Roman"/>
-              </a:rPr>
-              <a:t>órico</a:t>
+              <a:t>Histórico</a:t>
             </a:r>
             <a:r>
               <a:rPr lang="en-US" dirty="0">
@@ -10551,10 +11020,6 @@
               </a:rPr>
               <a:t> PICO.</a:t>
             </a:r>
-            <a:endParaRPr lang="en-US" dirty="0" smtClean="0">
-              <a:latin typeface="Times New Roman"/>
-              <a:cs typeface="Times New Roman"/>
-            </a:endParaRPr>
           </a:p>
         </p:txBody>
       </p:sp>
@@ -10662,35 +11127,42 @@
                 <a:latin typeface="Times New Roman"/>
                 <a:cs typeface="Times New Roman"/>
               </a:rPr>
-              <a:t>31</a:t>
+              <a:t>31 de </a:t>
+            </a:r>
+            <a:r>
+              <a:rPr lang="en-US" b="1" dirty="0" err="1" smtClean="0">
+                <a:latin typeface="Times New Roman"/>
+                <a:cs typeface="Times New Roman"/>
+              </a:rPr>
+              <a:t>agosto</a:t>
             </a:r>
             <a:r>
               <a:rPr lang="en-US" b="1" dirty="0" smtClean="0">
                 <a:latin typeface="Times New Roman"/>
                 <a:cs typeface="Times New Roman"/>
               </a:rPr>
-              <a:t> de </a:t>
+              <a:t>: </a:t>
             </a:r>
             <a:r>
               <a:rPr lang="en-US" b="1" dirty="0" err="1" smtClean="0">
                 <a:latin typeface="Times New Roman"/>
                 <a:cs typeface="Times New Roman"/>
               </a:rPr>
-              <a:t>agosto</a:t>
+              <a:t>Iniciando</a:t>
             </a:r>
             <a:r>
               <a:rPr lang="en-US" b="1" dirty="0" smtClean="0">
                 <a:latin typeface="Times New Roman"/>
                 <a:cs typeface="Times New Roman"/>
               </a:rPr>
-              <a:t>: </a:t>
+              <a:t> </a:t>
             </a:r>
             <a:r>
               <a:rPr lang="en-US" b="1" dirty="0" err="1" smtClean="0">
                 <a:latin typeface="Times New Roman"/>
                 <a:cs typeface="Times New Roman"/>
               </a:rPr>
-              <a:t>Iniciando</a:t>
+              <a:t>uma</a:t>
             </a:r>
             <a:r>
               <a:rPr lang="en-US" b="1" dirty="0" smtClean="0">
@@ -10704,28 +11176,7 @@
                 <a:latin typeface="Times New Roman"/>
                 <a:cs typeface="Times New Roman"/>
               </a:rPr>
-              <a:t>uma</a:t>
-            </a:r>
-            <a:r>
-              <a:rPr lang="en-US" b="1" dirty="0" smtClean="0">
-                <a:latin typeface="Times New Roman"/>
-                <a:cs typeface="Times New Roman"/>
-              </a:rPr>
-              <a:t> </a:t>
-            </a:r>
-            <a:r>
-              <a:rPr lang="en-US" b="1" dirty="0" err="1" smtClean="0">
-                <a:latin typeface="Times New Roman"/>
-                <a:cs typeface="Times New Roman"/>
-              </a:rPr>
-              <a:t>Revis</a:t>
-            </a:r>
-            <a:r>
-              <a:rPr lang="en-US" b="1" dirty="0" err="1" smtClean="0">
-                <a:latin typeface="Times New Roman"/>
-                <a:cs typeface="Times New Roman"/>
-              </a:rPr>
-              <a:t>ão</a:t>
+              <a:t>Revisão</a:t>
             </a:r>
             <a:r>
               <a:rPr lang="en-US" b="1" dirty="0" smtClean="0">
@@ -10810,14 +11261,7 @@
                 <a:latin typeface="Times New Roman"/>
                 <a:cs typeface="Times New Roman"/>
               </a:rPr>
-              <a:t>extraç</a:t>
-            </a:r>
-            <a:r>
-              <a:rPr lang="en-US" dirty="0" err="1" smtClean="0">
-                <a:latin typeface="Times New Roman"/>
-                <a:cs typeface="Times New Roman"/>
-              </a:rPr>
-              <a:t>ão</a:t>
+              <a:t>extração</a:t>
             </a:r>
             <a:r>
               <a:rPr lang="en-US" dirty="0" smtClean="0">
@@ -10826,10 +11270,6 @@
               </a:rPr>
               <a:t> de dados;</a:t>
             </a:r>
-            <a:endParaRPr lang="en-US" dirty="0" smtClean="0">
-              <a:latin typeface="Times New Roman"/>
-              <a:cs typeface="Times New Roman"/>
-            </a:endParaRPr>
           </a:p>
           <a:p>
             <a:pPr marL="742950" lvl="1" indent="-285750">
@@ -10844,14 +11284,7 @@
                 <a:latin typeface="Times New Roman"/>
                 <a:cs typeface="Times New Roman"/>
               </a:rPr>
-              <a:t>M</a:t>
-            </a:r>
-            <a:r>
-              <a:rPr lang="en-US" dirty="0" err="1" smtClean="0">
-                <a:latin typeface="Times New Roman"/>
-                <a:cs typeface="Times New Roman"/>
-              </a:rPr>
-              <a:t>étodos</a:t>
+              <a:t>Métodos</a:t>
             </a:r>
             <a:r>
               <a:rPr lang="en-US" dirty="0" smtClean="0">
@@ -11124,70 +11557,56 @@
                 <a:latin typeface="Times New Roman"/>
                 <a:cs typeface="Times New Roman"/>
               </a:rPr>
-              <a:t>02</a:t>
+              <a:t>02 de </a:t>
+            </a:r>
+            <a:r>
+              <a:rPr lang="en-US" b="1" dirty="0" err="1" smtClean="0">
+                <a:latin typeface="Times New Roman"/>
+                <a:cs typeface="Times New Roman"/>
+              </a:rPr>
+              <a:t>setembro</a:t>
             </a:r>
             <a:r>
               <a:rPr lang="en-US" b="1" dirty="0" smtClean="0">
                 <a:latin typeface="Times New Roman"/>
                 <a:cs typeface="Times New Roman"/>
               </a:rPr>
-              <a:t> de </a:t>
+              <a:t>: </a:t>
             </a:r>
             <a:r>
               <a:rPr lang="en-US" b="1" dirty="0" err="1" smtClean="0">
                 <a:latin typeface="Times New Roman"/>
                 <a:cs typeface="Times New Roman"/>
               </a:rPr>
-              <a:t>setembro</a:t>
+              <a:t>Iniciando</a:t>
             </a:r>
             <a:r>
               <a:rPr lang="en-US" b="1" dirty="0" smtClean="0">
                 <a:latin typeface="Times New Roman"/>
                 <a:cs typeface="Times New Roman"/>
               </a:rPr>
-              <a:t>: </a:t>
+              <a:t> </a:t>
             </a:r>
             <a:r>
               <a:rPr lang="en-US" b="1" dirty="0" err="1" smtClean="0">
                 <a:latin typeface="Times New Roman"/>
                 <a:cs typeface="Times New Roman"/>
               </a:rPr>
-              <a:t>Iniciando</a:t>
+              <a:t>uma</a:t>
             </a:r>
             <a:r>
               <a:rPr lang="en-US" b="1" dirty="0" smtClean="0">
                 <a:latin typeface="Times New Roman"/>
                 <a:cs typeface="Times New Roman"/>
               </a:rPr>
-              <a:t> </a:t>
+              <a:t> Meta-</a:t>
             </a:r>
             <a:r>
               <a:rPr lang="en-US" b="1" dirty="0" err="1" smtClean="0">
                 <a:latin typeface="Times New Roman"/>
                 <a:cs typeface="Times New Roman"/>
               </a:rPr>
-              <a:t>uma</a:t>
-            </a:r>
-            <a:r>
-              <a:rPr lang="en-US" b="1" dirty="0" smtClean="0">
-                <a:latin typeface="Times New Roman"/>
-                <a:cs typeface="Times New Roman"/>
-              </a:rPr>
-              <a:t> Meta-</a:t>
-            </a:r>
-            <a:r>
-              <a:rPr lang="en-US" b="1" dirty="0" err="1" smtClean="0">
-                <a:latin typeface="Times New Roman"/>
-                <a:cs typeface="Times New Roman"/>
-              </a:rPr>
-              <a:t>An</a:t>
-            </a:r>
-            <a:r>
-              <a:rPr lang="en-US" b="1" dirty="0" err="1" smtClean="0">
-                <a:latin typeface="Times New Roman"/>
-                <a:cs typeface="Times New Roman"/>
-              </a:rPr>
-              <a:t>álise</a:t>
+              <a:t>Análise</a:t>
             </a:r>
             <a:endParaRPr lang="en-US" b="1" dirty="0" smtClean="0">
               <a:latin typeface="Times New Roman"/>
@@ -11427,70 +11846,56 @@
                 <a:latin typeface="Times New Roman"/>
                 <a:cs typeface="Times New Roman"/>
               </a:rPr>
-              <a:t>05</a:t>
+              <a:t>05 de </a:t>
+            </a:r>
+            <a:r>
+              <a:rPr lang="en-US" b="1" dirty="0" err="1" smtClean="0">
+                <a:latin typeface="Times New Roman"/>
+                <a:cs typeface="Times New Roman"/>
+              </a:rPr>
+              <a:t>setembro</a:t>
             </a:r>
             <a:r>
               <a:rPr lang="en-US" b="1" dirty="0" smtClean="0">
                 <a:latin typeface="Times New Roman"/>
                 <a:cs typeface="Times New Roman"/>
               </a:rPr>
-              <a:t> de </a:t>
+              <a:t>: </a:t>
             </a:r>
             <a:r>
               <a:rPr lang="en-US" b="1" dirty="0" err="1" smtClean="0">
                 <a:latin typeface="Times New Roman"/>
                 <a:cs typeface="Times New Roman"/>
               </a:rPr>
-              <a:t>setembro</a:t>
+              <a:t>Realizando</a:t>
             </a:r>
             <a:r>
               <a:rPr lang="en-US" b="1" dirty="0" smtClean="0">
                 <a:latin typeface="Times New Roman"/>
                 <a:cs typeface="Times New Roman"/>
               </a:rPr>
-              <a:t>: </a:t>
+              <a:t> </a:t>
             </a:r>
             <a:r>
               <a:rPr lang="en-US" b="1" dirty="0" err="1" smtClean="0">
                 <a:latin typeface="Times New Roman"/>
                 <a:cs typeface="Times New Roman"/>
               </a:rPr>
-              <a:t>Realizando</a:t>
+              <a:t>uma</a:t>
             </a:r>
             <a:r>
               <a:rPr lang="en-US" b="1" dirty="0" smtClean="0">
                 <a:latin typeface="Times New Roman"/>
                 <a:cs typeface="Times New Roman"/>
               </a:rPr>
-              <a:t> </a:t>
+              <a:t> Meta-</a:t>
             </a:r>
             <a:r>
               <a:rPr lang="en-US" b="1" dirty="0" err="1" smtClean="0">
                 <a:latin typeface="Times New Roman"/>
                 <a:cs typeface="Times New Roman"/>
               </a:rPr>
-              <a:t>uma</a:t>
-            </a:r>
-            <a:r>
-              <a:rPr lang="en-US" b="1" dirty="0" smtClean="0">
-                <a:latin typeface="Times New Roman"/>
-                <a:cs typeface="Times New Roman"/>
-              </a:rPr>
-              <a:t> Meta-</a:t>
-            </a:r>
-            <a:r>
-              <a:rPr lang="en-US" b="1" dirty="0" err="1" smtClean="0">
-                <a:latin typeface="Times New Roman"/>
-                <a:cs typeface="Times New Roman"/>
-              </a:rPr>
-              <a:t>An</a:t>
-            </a:r>
-            <a:r>
-              <a:rPr lang="en-US" b="1" dirty="0" err="1" smtClean="0">
-                <a:latin typeface="Times New Roman"/>
-                <a:cs typeface="Times New Roman"/>
-              </a:rPr>
-              <a:t>álise</a:t>
+              <a:t>Análise</a:t>
             </a:r>
             <a:endParaRPr lang="en-US" b="1" dirty="0" smtClean="0">
               <a:latin typeface="Times New Roman"/>
